--- a/Android/lesson1-geoquiz/android.pptx
+++ b/Android/lesson1-geoquiz/android.pptx
@@ -2,31 +2,33 @@
 <file path=ppt/presentation.xml><?xml version="1.0" encoding="utf-8"?>
 <p:presentation xmlns:a="http://schemas.openxmlformats.org/drawingml/2006/main" xmlns:r="http://schemas.openxmlformats.org/officeDocument/2006/relationships" xmlns:p="http://schemas.openxmlformats.org/presentationml/2006/main">
   <p:sldMasterIdLst>
-    <p:sldMasterId id="2147483648" r:id="rId5"/>
+    <p:sldMasterId id="2147483648" r:id="rId1"/>
   </p:sldMasterIdLst>
   <p:notesMasterIdLst>
-    <p:notesMasterId r:id="rId7"/>
+    <p:notesMasterId r:id="rId23"/>
   </p:notesMasterIdLst>
   <p:sldIdLst>
-    <p:sldId id="256" r:id="rId8"/>
-    <p:sldId id="257" r:id="rId9"/>
-    <p:sldId id="258" r:id="rId10"/>
-    <p:sldId id="259" r:id="rId11"/>
-    <p:sldId id="260" r:id="rId12"/>
-    <p:sldId id="261" r:id="rId13"/>
-    <p:sldId id="262" r:id="rId14"/>
-    <p:sldId id="263" r:id="rId15"/>
-    <p:sldId id="264" r:id="rId16"/>
-    <p:sldId id="265" r:id="rId17"/>
-    <p:sldId id="266" r:id="rId18"/>
-    <p:sldId id="267" r:id="rId19"/>
-    <p:sldId id="268" r:id="rId20"/>
-    <p:sldId id="269" r:id="rId21"/>
-    <p:sldId id="270" r:id="rId22"/>
-    <p:sldId id="271" r:id="rId23"/>
-    <p:sldId id="272" r:id="rId24"/>
-    <p:sldId id="273" r:id="rId25"/>
-    <p:sldId id="274" r:id="rId26"/>
+    <p:sldId id="256" r:id="rId2"/>
+    <p:sldId id="257" r:id="rId3"/>
+    <p:sldId id="258" r:id="rId4"/>
+    <p:sldId id="259" r:id="rId5"/>
+    <p:sldId id="260" r:id="rId6"/>
+    <p:sldId id="261" r:id="rId7"/>
+    <p:sldId id="262" r:id="rId8"/>
+    <p:sldId id="263" r:id="rId9"/>
+    <p:sldId id="264" r:id="rId10"/>
+    <p:sldId id="265" r:id="rId11"/>
+    <p:sldId id="266" r:id="rId12"/>
+    <p:sldId id="267" r:id="rId13"/>
+    <p:sldId id="268" r:id="rId14"/>
+    <p:sldId id="269" r:id="rId15"/>
+    <p:sldId id="270" r:id="rId16"/>
+    <p:sldId id="271" r:id="rId17"/>
+    <p:sldId id="275" r:id="rId18"/>
+    <p:sldId id="276" r:id="rId19"/>
+    <p:sldId id="272" r:id="rId20"/>
+    <p:sldId id="273" r:id="rId21"/>
+    <p:sldId id="274" r:id="rId22"/>
   </p:sldIdLst>
   <p:sldSz cx="13004800" cy="9753600"/>
   <p:notesSz cx="6858000" cy="9144000"/>
@@ -107,13 +109,14 @@
 </p:presentation>
 </file>
 
-<file path=ppt/commentAuthors.xml><?xml version="1.0" encoding="utf-8"?>
-<p:cmAuthorLst xmlns:a="http://schemas.openxmlformats.org/drawingml/2006/main" xmlns:r="http://schemas.openxmlformats.org/officeDocument/2006/relationships" xmlns:p="http://schemas.openxmlformats.org/presentationml/2006/main"/>
-</file>
-
 <file path=ppt/notesMasters/notesMaster1.xml><?xml version="1.0" encoding="utf-8"?>
 <p:notesMaster xmlns:a="http://schemas.openxmlformats.org/drawingml/2006/main" xmlns:r="http://schemas.openxmlformats.org/officeDocument/2006/relationships" xmlns:p="http://schemas.openxmlformats.org/presentationml/2006/main">
   <p:cSld>
+    <p:bg>
+      <p:bgRef idx="1001">
+        <a:schemeClr val="bg1"/>
+      </p:bgRef>
+    </p:bg>
     <p:spTree>
       <p:nvGrpSpPr>
         <p:cNvPr id="1" name=""/>
@@ -131,7 +134,9 @@
       <p:sp>
         <p:nvSpPr>
           <p:cNvPr id="29" name="Shape 29"/>
-          <p:cNvSpPr/>
+          <p:cNvSpPr>
+            <a:spLocks noGrp="1" noRot="1" noChangeAspect="1"/>
+          </p:cNvSpPr>
           <p:nvPr>
             <p:ph type="sldImg"/>
           </p:nvPr>
@@ -150,13 +155,16 @@
           <a:lstStyle/>
           <a:p>
             <a:pPr lvl="0"/>
+            <a:endParaRPr/>
           </a:p>
         </p:txBody>
       </p:sp>
       <p:sp>
         <p:nvSpPr>
           <p:cNvPr id="30" name="Shape 30"/>
-          <p:cNvSpPr/>
+          <p:cNvSpPr>
+            <a:spLocks noGrp="1"/>
+          </p:cNvSpPr>
           <p:nvPr>
             <p:ph type="body" sz="quarter" idx="1"/>
           </p:nvPr>
@@ -175,6 +183,7 @@
           <a:lstStyle/>
           <a:p>
             <a:pPr lvl="0"/>
+            <a:endParaRPr/>
           </a:p>
         </p:txBody>
       </p:sp>
@@ -286,7 +295,7 @@
 </file>
 
 <file path=ppt/slideLayouts/slideLayout1.xml><?xml version="1.0" encoding="utf-8"?>
-<p:sldLayout xmlns:a="http://schemas.openxmlformats.org/drawingml/2006/main" xmlns:r="http://schemas.openxmlformats.org/officeDocument/2006/relationships" xmlns:p="http://schemas.openxmlformats.org/presentationml/2006/main" type="tx" showMasterSp="1" showMasterPhAnim="1">
+<p:sldLayout xmlns:a="http://schemas.openxmlformats.org/drawingml/2006/main" xmlns:r="http://schemas.openxmlformats.org/officeDocument/2006/relationships" xmlns:p="http://schemas.openxmlformats.org/presentationml/2006/main" type="tx">
   <p:cSld name="Title &amp; Subtitle">
     <p:spTree>
       <p:nvGrpSpPr>
@@ -305,7 +314,9 @@
       <p:sp>
         <p:nvSpPr>
           <p:cNvPr id="5" name="Shape 5"/>
-          <p:cNvSpPr/>
+          <p:cNvSpPr>
+            <a:spLocks noGrp="1"/>
+          </p:cNvSpPr>
           <p:nvPr>
             <p:ph type="title"/>
           </p:nvPr>
@@ -336,7 +347,9 @@
       <p:sp>
         <p:nvSpPr>
           <p:cNvPr id="6" name="Shape 6"/>
-          <p:cNvSpPr/>
+          <p:cNvSpPr>
+            <a:spLocks noGrp="1"/>
+          </p:cNvSpPr>
           <p:nvPr>
             <p:ph type="body" idx="1"/>
           </p:nvPr>
@@ -402,7 +415,6 @@
               <a:rPr sz="3200"/>
               <a:t>Body Level One</a:t>
             </a:r>
-            <a:endParaRPr sz="3200"/>
           </a:p>
           <a:p>
             <a:pPr lvl="1">
@@ -412,7 +424,6 @@
               <a:rPr sz="3200"/>
               <a:t>Body Level Two</a:t>
             </a:r>
-            <a:endParaRPr sz="3200"/>
           </a:p>
           <a:p>
             <a:pPr lvl="2">
@@ -422,7 +433,6 @@
               <a:rPr sz="3200"/>
               <a:t>Body Level Three</a:t>
             </a:r>
-            <a:endParaRPr sz="3200"/>
           </a:p>
           <a:p>
             <a:pPr lvl="3">
@@ -432,7 +442,6 @@
               <a:rPr sz="3200"/>
               <a:t>Body Level Four</a:t>
             </a:r>
-            <a:endParaRPr sz="3200"/>
           </a:p>
           <a:p>
             <a:pPr lvl="4">
@@ -450,12 +459,12 @@
   <p:clrMapOvr>
     <a:masterClrMapping/>
   </p:clrMapOvr>
-  <p:transition spd="med" advClick="1"/>
+  <p:transition spd="med"/>
 </p:sldLayout>
 </file>
 
 <file path=ppt/slideLayouts/slideLayout10.xml><?xml version="1.0" encoding="utf-8"?>
-<p:sldLayout xmlns:a="http://schemas.openxmlformats.org/drawingml/2006/main" xmlns:r="http://schemas.openxmlformats.org/officeDocument/2006/relationships" xmlns:p="http://schemas.openxmlformats.org/presentationml/2006/main" type="tx" showMasterSp="1" showMasterPhAnim="1">
+<p:sldLayout xmlns:a="http://schemas.openxmlformats.org/drawingml/2006/main" xmlns:r="http://schemas.openxmlformats.org/officeDocument/2006/relationships" xmlns:p="http://schemas.openxmlformats.org/presentationml/2006/main" type="tx">
   <p:cSld name="Quote">
     <p:spTree>
       <p:nvGrpSpPr>
@@ -476,12 +485,12 @@
   <p:clrMapOvr>
     <a:masterClrMapping/>
   </p:clrMapOvr>
-  <p:transition spd="med" advClick="1"/>
+  <p:transition spd="med"/>
 </p:sldLayout>
 </file>
 
 <file path=ppt/slideLayouts/slideLayout11.xml><?xml version="1.0" encoding="utf-8"?>
-<p:sldLayout xmlns:a="http://schemas.openxmlformats.org/drawingml/2006/main" xmlns:r="http://schemas.openxmlformats.org/officeDocument/2006/relationships" xmlns:p="http://schemas.openxmlformats.org/presentationml/2006/main" type="tx" showMasterSp="1" showMasterPhAnim="1">
+<p:sldLayout xmlns:a="http://schemas.openxmlformats.org/drawingml/2006/main" xmlns:r="http://schemas.openxmlformats.org/officeDocument/2006/relationships" xmlns:p="http://schemas.openxmlformats.org/presentationml/2006/main" type="tx">
   <p:cSld name="Photo">
     <p:spTree>
       <p:nvGrpSpPr>
@@ -502,12 +511,12 @@
   <p:clrMapOvr>
     <a:masterClrMapping/>
   </p:clrMapOvr>
-  <p:transition spd="med" advClick="1"/>
+  <p:transition spd="med"/>
 </p:sldLayout>
 </file>
 
 <file path=ppt/slideLayouts/slideLayout12.xml><?xml version="1.0" encoding="utf-8"?>
-<p:sldLayout xmlns:a="http://schemas.openxmlformats.org/drawingml/2006/main" xmlns:r="http://schemas.openxmlformats.org/officeDocument/2006/relationships" xmlns:p="http://schemas.openxmlformats.org/presentationml/2006/main" type="tx" showMasterSp="1" showMasterPhAnim="1">
+<p:sldLayout xmlns:a="http://schemas.openxmlformats.org/drawingml/2006/main" xmlns:r="http://schemas.openxmlformats.org/officeDocument/2006/relationships" xmlns:p="http://schemas.openxmlformats.org/presentationml/2006/main" type="tx">
   <p:cSld name="Blank">
     <p:spTree>
       <p:nvGrpSpPr>
@@ -528,12 +537,12 @@
   <p:clrMapOvr>
     <a:masterClrMapping/>
   </p:clrMapOvr>
-  <p:transition spd="med" advClick="1"/>
+  <p:transition spd="med"/>
 </p:sldLayout>
 </file>
 
 <file path=ppt/slideLayouts/slideLayout2.xml><?xml version="1.0" encoding="utf-8"?>
-<p:sldLayout xmlns:a="http://schemas.openxmlformats.org/drawingml/2006/main" xmlns:r="http://schemas.openxmlformats.org/officeDocument/2006/relationships" xmlns:p="http://schemas.openxmlformats.org/presentationml/2006/main" type="tx" showMasterSp="1" showMasterPhAnim="1">
+<p:sldLayout xmlns:a="http://schemas.openxmlformats.org/drawingml/2006/main" xmlns:r="http://schemas.openxmlformats.org/officeDocument/2006/relationships" xmlns:p="http://schemas.openxmlformats.org/presentationml/2006/main" type="tx">
   <p:cSld name="Photo - Horizontal">
     <p:spTree>
       <p:nvGrpSpPr>
@@ -552,7 +561,9 @@
       <p:sp>
         <p:nvSpPr>
           <p:cNvPr id="8" name="Shape 8"/>
-          <p:cNvSpPr/>
+          <p:cNvSpPr>
+            <a:spLocks noGrp="1"/>
+          </p:cNvSpPr>
           <p:nvPr>
             <p:ph type="title"/>
           </p:nvPr>
@@ -583,7 +594,9 @@
       <p:sp>
         <p:nvSpPr>
           <p:cNvPr id="9" name="Shape 9"/>
-          <p:cNvSpPr/>
+          <p:cNvSpPr>
+            <a:spLocks noGrp="1"/>
+          </p:cNvSpPr>
           <p:nvPr>
             <p:ph type="body" idx="1"/>
           </p:nvPr>
@@ -649,7 +662,6 @@
               <a:rPr sz="3200"/>
               <a:t>Body Level One</a:t>
             </a:r>
-            <a:endParaRPr sz="3200"/>
           </a:p>
           <a:p>
             <a:pPr lvl="1">
@@ -659,7 +671,6 @@
               <a:rPr sz="3200"/>
               <a:t>Body Level Two</a:t>
             </a:r>
-            <a:endParaRPr sz="3200"/>
           </a:p>
           <a:p>
             <a:pPr lvl="2">
@@ -669,7 +680,6 @@
               <a:rPr sz="3200"/>
               <a:t>Body Level Three</a:t>
             </a:r>
-            <a:endParaRPr sz="3200"/>
           </a:p>
           <a:p>
             <a:pPr lvl="3">
@@ -679,7 +689,6 @@
               <a:rPr sz="3200"/>
               <a:t>Body Level Four</a:t>
             </a:r>
-            <a:endParaRPr sz="3200"/>
           </a:p>
           <a:p>
             <a:pPr lvl="4">
@@ -697,12 +706,12 @@
   <p:clrMapOvr>
     <a:masterClrMapping/>
   </p:clrMapOvr>
-  <p:transition spd="med" advClick="1"/>
+  <p:transition spd="med"/>
 </p:sldLayout>
 </file>
 
 <file path=ppt/slideLayouts/slideLayout3.xml><?xml version="1.0" encoding="utf-8"?>
-<p:sldLayout xmlns:a="http://schemas.openxmlformats.org/drawingml/2006/main" xmlns:r="http://schemas.openxmlformats.org/officeDocument/2006/relationships" xmlns:p="http://schemas.openxmlformats.org/presentationml/2006/main" type="tx" showMasterSp="1" showMasterPhAnim="1">
+<p:sldLayout xmlns:a="http://schemas.openxmlformats.org/drawingml/2006/main" xmlns:r="http://schemas.openxmlformats.org/officeDocument/2006/relationships" xmlns:p="http://schemas.openxmlformats.org/presentationml/2006/main" type="tx">
   <p:cSld name="Title - Center">
     <p:spTree>
       <p:nvGrpSpPr>
@@ -721,7 +730,9 @@
       <p:sp>
         <p:nvSpPr>
           <p:cNvPr id="11" name="Shape 11"/>
-          <p:cNvSpPr/>
+          <p:cNvSpPr>
+            <a:spLocks noGrp="1"/>
+          </p:cNvSpPr>
           <p:nvPr>
             <p:ph type="title"/>
           </p:nvPr>
@@ -754,12 +765,12 @@
   <p:clrMapOvr>
     <a:masterClrMapping/>
   </p:clrMapOvr>
-  <p:transition spd="med" advClick="1"/>
+  <p:transition spd="med"/>
 </p:sldLayout>
 </file>
 
 <file path=ppt/slideLayouts/slideLayout4.xml><?xml version="1.0" encoding="utf-8"?>
-<p:sldLayout xmlns:a="http://schemas.openxmlformats.org/drawingml/2006/main" xmlns:r="http://schemas.openxmlformats.org/officeDocument/2006/relationships" xmlns:p="http://schemas.openxmlformats.org/presentationml/2006/main" type="tx" showMasterSp="1" showMasterPhAnim="1">
+<p:sldLayout xmlns:a="http://schemas.openxmlformats.org/drawingml/2006/main" xmlns:r="http://schemas.openxmlformats.org/officeDocument/2006/relationships" xmlns:p="http://schemas.openxmlformats.org/presentationml/2006/main" type="tx">
   <p:cSld name="Photo - Vertical">
     <p:spTree>
       <p:nvGrpSpPr>
@@ -778,7 +789,9 @@
       <p:sp>
         <p:nvSpPr>
           <p:cNvPr id="13" name="Shape 13"/>
-          <p:cNvSpPr/>
+          <p:cNvSpPr>
+            <a:spLocks noGrp="1"/>
+          </p:cNvSpPr>
           <p:nvPr>
             <p:ph type="title"/>
           </p:nvPr>
@@ -818,7 +831,9 @@
       <p:sp>
         <p:nvSpPr>
           <p:cNvPr id="14" name="Shape 14"/>
-          <p:cNvSpPr/>
+          <p:cNvSpPr>
+            <a:spLocks noGrp="1"/>
+          </p:cNvSpPr>
           <p:nvPr>
             <p:ph type="body" idx="1"/>
           </p:nvPr>
@@ -884,7 +899,6 @@
               <a:rPr sz="3200"/>
               <a:t>Body Level One</a:t>
             </a:r>
-            <a:endParaRPr sz="3200"/>
           </a:p>
           <a:p>
             <a:pPr lvl="1">
@@ -894,7 +908,6 @@
               <a:rPr sz="3200"/>
               <a:t>Body Level Two</a:t>
             </a:r>
-            <a:endParaRPr sz="3200"/>
           </a:p>
           <a:p>
             <a:pPr lvl="2">
@@ -904,7 +917,6 @@
               <a:rPr sz="3200"/>
               <a:t>Body Level Three</a:t>
             </a:r>
-            <a:endParaRPr sz="3200"/>
           </a:p>
           <a:p>
             <a:pPr lvl="3">
@@ -914,7 +926,6 @@
               <a:rPr sz="3200"/>
               <a:t>Body Level Four</a:t>
             </a:r>
-            <a:endParaRPr sz="3200"/>
           </a:p>
           <a:p>
             <a:pPr lvl="4">
@@ -932,12 +943,12 @@
   <p:clrMapOvr>
     <a:masterClrMapping/>
   </p:clrMapOvr>
-  <p:transition spd="med" advClick="1"/>
+  <p:transition spd="med"/>
 </p:sldLayout>
 </file>
 
 <file path=ppt/slideLayouts/slideLayout5.xml><?xml version="1.0" encoding="utf-8"?>
-<p:sldLayout xmlns:a="http://schemas.openxmlformats.org/drawingml/2006/main" xmlns:r="http://schemas.openxmlformats.org/officeDocument/2006/relationships" xmlns:p="http://schemas.openxmlformats.org/presentationml/2006/main" type="tx" showMasterSp="1" showMasterPhAnim="1">
+<p:sldLayout xmlns:a="http://schemas.openxmlformats.org/drawingml/2006/main" xmlns:r="http://schemas.openxmlformats.org/officeDocument/2006/relationships" xmlns:p="http://schemas.openxmlformats.org/presentationml/2006/main" type="tx">
   <p:cSld name="Title - Top">
     <p:spTree>
       <p:nvGrpSpPr>
@@ -956,7 +967,9 @@
       <p:sp>
         <p:nvSpPr>
           <p:cNvPr id="16" name="Shape 16"/>
-          <p:cNvSpPr/>
+          <p:cNvSpPr>
+            <a:spLocks noGrp="1"/>
+          </p:cNvSpPr>
           <p:nvPr>
             <p:ph type="title"/>
           </p:nvPr>
@@ -985,12 +998,12 @@
   <p:clrMapOvr>
     <a:masterClrMapping/>
   </p:clrMapOvr>
-  <p:transition spd="med" advClick="1"/>
+  <p:transition spd="med"/>
 </p:sldLayout>
 </file>
 
 <file path=ppt/slideLayouts/slideLayout6.xml><?xml version="1.0" encoding="utf-8"?>
-<p:sldLayout xmlns:a="http://schemas.openxmlformats.org/drawingml/2006/main" xmlns:r="http://schemas.openxmlformats.org/officeDocument/2006/relationships" xmlns:p="http://schemas.openxmlformats.org/presentationml/2006/main" type="tx" showMasterSp="1" showMasterPhAnim="1">
+<p:sldLayout xmlns:a="http://schemas.openxmlformats.org/drawingml/2006/main" xmlns:r="http://schemas.openxmlformats.org/officeDocument/2006/relationships" xmlns:p="http://schemas.openxmlformats.org/presentationml/2006/main" type="tx">
   <p:cSld name="Title &amp; Bullets">
     <p:spTree>
       <p:nvGrpSpPr>
@@ -1009,7 +1022,9 @@
       <p:sp>
         <p:nvSpPr>
           <p:cNvPr id="18" name="Shape 18"/>
-          <p:cNvSpPr/>
+          <p:cNvSpPr>
+            <a:spLocks noGrp="1"/>
+          </p:cNvSpPr>
           <p:nvPr>
             <p:ph type="title"/>
           </p:nvPr>
@@ -1036,7 +1051,9 @@
       <p:sp>
         <p:nvSpPr>
           <p:cNvPr id="19" name="Shape 19"/>
-          <p:cNvSpPr/>
+          <p:cNvSpPr>
+            <a:spLocks noGrp="1"/>
+          </p:cNvSpPr>
           <p:nvPr>
             <p:ph type="body" idx="1"/>
           </p:nvPr>
@@ -1057,7 +1074,6 @@
               <a:rPr sz="3600"/>
               <a:t>Body Level One</a:t>
             </a:r>
-            <a:endParaRPr sz="3600"/>
           </a:p>
           <a:p>
             <a:pPr lvl="1">
@@ -1067,7 +1083,6 @@
               <a:rPr sz="3600"/>
               <a:t>Body Level Two</a:t>
             </a:r>
-            <a:endParaRPr sz="3600"/>
           </a:p>
           <a:p>
             <a:pPr lvl="2">
@@ -1077,7 +1092,6 @@
               <a:rPr sz="3600"/>
               <a:t>Body Level Three</a:t>
             </a:r>
-            <a:endParaRPr sz="3600"/>
           </a:p>
           <a:p>
             <a:pPr lvl="3">
@@ -1087,7 +1101,6 @@
               <a:rPr sz="3600"/>
               <a:t>Body Level Four</a:t>
             </a:r>
-            <a:endParaRPr sz="3600"/>
           </a:p>
           <a:p>
             <a:pPr lvl="4">
@@ -1105,12 +1118,12 @@
   <p:clrMapOvr>
     <a:masterClrMapping/>
   </p:clrMapOvr>
-  <p:transition spd="med" advClick="1"/>
+  <p:transition spd="med"/>
 </p:sldLayout>
 </file>
 
 <file path=ppt/slideLayouts/slideLayout7.xml><?xml version="1.0" encoding="utf-8"?>
-<p:sldLayout xmlns:a="http://schemas.openxmlformats.org/drawingml/2006/main" xmlns:r="http://schemas.openxmlformats.org/officeDocument/2006/relationships" xmlns:p="http://schemas.openxmlformats.org/presentationml/2006/main" type="tx" showMasterSp="1" showMasterPhAnim="1">
+<p:sldLayout xmlns:a="http://schemas.openxmlformats.org/drawingml/2006/main" xmlns:r="http://schemas.openxmlformats.org/officeDocument/2006/relationships" xmlns:p="http://schemas.openxmlformats.org/presentationml/2006/main" type="tx">
   <p:cSld name="Title, Bullets &amp; Photo">
     <p:spTree>
       <p:nvGrpSpPr>
@@ -1129,7 +1142,9 @@
       <p:sp>
         <p:nvSpPr>
           <p:cNvPr id="21" name="Shape 21"/>
-          <p:cNvSpPr/>
+          <p:cNvSpPr>
+            <a:spLocks noGrp="1"/>
+          </p:cNvSpPr>
           <p:nvPr>
             <p:ph type="title"/>
           </p:nvPr>
@@ -1156,7 +1171,9 @@
       <p:sp>
         <p:nvSpPr>
           <p:cNvPr id="22" name="Shape 22"/>
-          <p:cNvSpPr/>
+          <p:cNvSpPr>
+            <a:spLocks noGrp="1"/>
+          </p:cNvSpPr>
           <p:nvPr>
             <p:ph type="body" idx="1"/>
           </p:nvPr>
@@ -1237,7 +1254,6 @@
               <a:rPr sz="2800"/>
               <a:t>Body Level One</a:t>
             </a:r>
-            <a:endParaRPr sz="2800"/>
           </a:p>
           <a:p>
             <a:pPr lvl="1">
@@ -1247,7 +1263,6 @@
               <a:rPr sz="2800"/>
               <a:t>Body Level Two</a:t>
             </a:r>
-            <a:endParaRPr sz="2800"/>
           </a:p>
           <a:p>
             <a:pPr lvl="2">
@@ -1257,7 +1272,6 @@
               <a:rPr sz="2800"/>
               <a:t>Body Level Three</a:t>
             </a:r>
-            <a:endParaRPr sz="2800"/>
           </a:p>
           <a:p>
             <a:pPr lvl="3">
@@ -1267,7 +1281,6 @@
               <a:rPr sz="2800"/>
               <a:t>Body Level Four</a:t>
             </a:r>
-            <a:endParaRPr sz="2800"/>
           </a:p>
           <a:p>
             <a:pPr lvl="4">
@@ -1285,12 +1298,12 @@
   <p:clrMapOvr>
     <a:masterClrMapping/>
   </p:clrMapOvr>
-  <p:transition spd="med" advClick="1"/>
+  <p:transition spd="med"/>
 </p:sldLayout>
 </file>
 
 <file path=ppt/slideLayouts/slideLayout8.xml><?xml version="1.0" encoding="utf-8"?>
-<p:sldLayout xmlns:a="http://schemas.openxmlformats.org/drawingml/2006/main" xmlns:r="http://schemas.openxmlformats.org/officeDocument/2006/relationships" xmlns:p="http://schemas.openxmlformats.org/presentationml/2006/main" type="tx" showMasterSp="1" showMasterPhAnim="1">
+<p:sldLayout xmlns:a="http://schemas.openxmlformats.org/drawingml/2006/main" xmlns:r="http://schemas.openxmlformats.org/officeDocument/2006/relationships" xmlns:p="http://schemas.openxmlformats.org/presentationml/2006/main" type="tx">
   <p:cSld name="Bullets">
     <p:spTree>
       <p:nvGrpSpPr>
@@ -1309,7 +1322,9 @@
       <p:sp>
         <p:nvSpPr>
           <p:cNvPr id="24" name="Shape 24"/>
-          <p:cNvSpPr/>
+          <p:cNvSpPr>
+            <a:spLocks noGrp="1"/>
+          </p:cNvSpPr>
           <p:nvPr>
             <p:ph type="body" idx="1"/>
           </p:nvPr>
@@ -1334,7 +1349,6 @@
               <a:rPr sz="3600"/>
               <a:t>Body Level One</a:t>
             </a:r>
-            <a:endParaRPr sz="3600"/>
           </a:p>
           <a:p>
             <a:pPr lvl="1">
@@ -1344,7 +1358,6 @@
               <a:rPr sz="3600"/>
               <a:t>Body Level Two</a:t>
             </a:r>
-            <a:endParaRPr sz="3600"/>
           </a:p>
           <a:p>
             <a:pPr lvl="2">
@@ -1354,7 +1367,6 @@
               <a:rPr sz="3600"/>
               <a:t>Body Level Three</a:t>
             </a:r>
-            <a:endParaRPr sz="3600"/>
           </a:p>
           <a:p>
             <a:pPr lvl="3">
@@ -1364,7 +1376,6 @@
               <a:rPr sz="3600"/>
               <a:t>Body Level Four</a:t>
             </a:r>
-            <a:endParaRPr sz="3600"/>
           </a:p>
           <a:p>
             <a:pPr lvl="4">
@@ -1382,12 +1393,12 @@
   <p:clrMapOvr>
     <a:masterClrMapping/>
   </p:clrMapOvr>
-  <p:transition spd="med" advClick="1"/>
+  <p:transition spd="med"/>
 </p:sldLayout>
 </file>
 
 <file path=ppt/slideLayouts/slideLayout9.xml><?xml version="1.0" encoding="utf-8"?>
-<p:sldLayout xmlns:a="http://schemas.openxmlformats.org/drawingml/2006/main" xmlns:r="http://schemas.openxmlformats.org/officeDocument/2006/relationships" xmlns:p="http://schemas.openxmlformats.org/presentationml/2006/main" type="tx" showMasterSp="1" showMasterPhAnim="1">
+<p:sldLayout xmlns:a="http://schemas.openxmlformats.org/drawingml/2006/main" xmlns:r="http://schemas.openxmlformats.org/officeDocument/2006/relationships" xmlns:p="http://schemas.openxmlformats.org/presentationml/2006/main" type="tx">
   <p:cSld name="Photo - 3 Up">
     <p:spTree>
       <p:nvGrpSpPr>
@@ -1408,7 +1419,7 @@
   <p:clrMapOvr>
     <a:masterClrMapping/>
   </p:clrMapOvr>
-  <p:transition spd="med" advClick="1"/>
+  <p:transition spd="med"/>
 </p:sldLayout>
 </file>
 
@@ -1420,6 +1431,7 @@
         <a:solidFill>
           <a:srgbClr val="FFFFFF"/>
         </a:solidFill>
+        <a:effectLst/>
       </p:bgPr>
     </p:bg>
     <p:spTree>
@@ -1439,7 +1451,9 @@
       <p:sp>
         <p:nvSpPr>
           <p:cNvPr id="2" name="Shape 2"/>
-          <p:cNvSpPr/>
+          <p:cNvSpPr>
+            <a:spLocks noGrp="1"/>
+          </p:cNvSpPr>
           <p:nvPr>
             <p:ph type="title"/>
           </p:nvPr>
@@ -1457,13 +1471,13 @@
           </a:ln>
           <a:extLst>
             <a:ext uri="{C572A759-6A51-4108-AA02-DFA0A04FC94B}">
-              <ma14:wrappingTextBoxFlag xmlns:ma14="http://schemas.microsoft.com/office/mac/drawingml/2011/main" val="1"/>
+              <ma14:wrappingTextBoxFlag xmlns="" xmlns:ma14="http://schemas.microsoft.com/office/mac/drawingml/2011/main" val="1"/>
             </a:ext>
           </a:extLst>
         </p:spPr>
         <p:txBody>
           <a:bodyPr lIns="0" tIns="0" rIns="0" bIns="0" anchor="ctr">
-            <a:normAutofit fontScale="100000" lnSpcReduction="0"/>
+            <a:normAutofit/>
           </a:bodyPr>
           <a:lstStyle/>
           <a:p>
@@ -1480,7 +1494,9 @@
       <p:sp>
         <p:nvSpPr>
           <p:cNvPr id="3" name="Shape 3"/>
-          <p:cNvSpPr/>
+          <p:cNvSpPr>
+            <a:spLocks noGrp="1"/>
+          </p:cNvSpPr>
           <p:nvPr>
             <p:ph type="body" idx="1"/>
           </p:nvPr>
@@ -1498,13 +1514,13 @@
           </a:ln>
           <a:extLst>
             <a:ext uri="{C572A759-6A51-4108-AA02-DFA0A04FC94B}">
-              <ma14:wrappingTextBoxFlag xmlns:ma14="http://schemas.microsoft.com/office/mac/drawingml/2011/main" val="1"/>
+              <ma14:wrappingTextBoxFlag xmlns="" xmlns:ma14="http://schemas.microsoft.com/office/mac/drawingml/2011/main" val="1"/>
             </a:ext>
           </a:extLst>
         </p:spPr>
         <p:txBody>
           <a:bodyPr lIns="0" tIns="0" rIns="0" bIns="0" anchor="ctr">
-            <a:normAutofit fontScale="100000" lnSpcReduction="0"/>
+            <a:normAutofit/>
           </a:bodyPr>
           <a:lstStyle/>
           <a:p>
@@ -1515,7 +1531,6 @@
               <a:rPr sz="3600"/>
               <a:t>Body Level One</a:t>
             </a:r>
-            <a:endParaRPr sz="3600"/>
           </a:p>
           <a:p>
             <a:pPr lvl="1">
@@ -1525,7 +1540,6 @@
               <a:rPr sz="3600"/>
               <a:t>Body Level Two</a:t>
             </a:r>
-            <a:endParaRPr sz="3600"/>
           </a:p>
           <a:p>
             <a:pPr lvl="2">
@@ -1535,7 +1549,6 @@
               <a:rPr sz="3600"/>
               <a:t>Body Level Three</a:t>
             </a:r>
-            <a:endParaRPr sz="3600"/>
           </a:p>
           <a:p>
             <a:pPr lvl="3">
@@ -1545,7 +1558,6 @@
               <a:rPr sz="3600"/>
               <a:t>Body Level Four</a:t>
             </a:r>
-            <a:endParaRPr sz="3600"/>
           </a:p>
           <a:p>
             <a:pPr lvl="4">
@@ -1562,20 +1574,20 @@
   </p:cSld>
   <p:clrMap bg1="lt1" tx1="dk1" bg2="lt2" tx2="dk2" accent1="accent1" accent2="accent2" accent3="accent3" accent4="accent4" accent5="accent5" accent6="accent6" hlink="hlink" folHlink="folHlink"/>
   <p:sldLayoutIdLst>
-    <p:sldLayoutId id="2147483649" r:id="rId2"/>
-    <p:sldLayoutId id="2147483650" r:id="rId3"/>
-    <p:sldLayoutId id="2147483651" r:id="rId4"/>
-    <p:sldLayoutId id="2147483652" r:id="rId5"/>
-    <p:sldLayoutId id="2147483653" r:id="rId6"/>
-    <p:sldLayoutId id="2147483654" r:id="rId7"/>
-    <p:sldLayoutId id="2147483655" r:id="rId8"/>
-    <p:sldLayoutId id="2147483656" r:id="rId9"/>
-    <p:sldLayoutId id="2147483657" r:id="rId10"/>
-    <p:sldLayoutId id="2147483658" r:id="rId11"/>
-    <p:sldLayoutId id="2147483659" r:id="rId12"/>
-    <p:sldLayoutId id="2147483660" r:id="rId13"/>
+    <p:sldLayoutId id="2147483649" r:id="rId1"/>
+    <p:sldLayoutId id="2147483650" r:id="rId2"/>
+    <p:sldLayoutId id="2147483651" r:id="rId3"/>
+    <p:sldLayoutId id="2147483652" r:id="rId4"/>
+    <p:sldLayoutId id="2147483653" r:id="rId5"/>
+    <p:sldLayoutId id="2147483654" r:id="rId6"/>
+    <p:sldLayoutId id="2147483655" r:id="rId7"/>
+    <p:sldLayoutId id="2147483656" r:id="rId8"/>
+    <p:sldLayoutId id="2147483657" r:id="rId9"/>
+    <p:sldLayoutId id="2147483658" r:id="rId10"/>
+    <p:sldLayoutId id="2147483659" r:id="rId11"/>
+    <p:sldLayoutId id="2147483660" r:id="rId12"/>
   </p:sldLayoutIdLst>
-  <p:transition spd="med" advClick="1"/>
+  <p:transition spd="med"/>
   <p:txStyles>
     <p:titleStyle>
       <a:lvl1pPr algn="ctr" defTabSz="584200">
@@ -1876,7 +1888,7 @@
 </file>
 
 <file path=ppt/slides/slide1.xml><?xml version="1.0" encoding="utf-8"?>
-<p:sld xmlns:a="http://schemas.openxmlformats.org/drawingml/2006/main" xmlns:r="http://schemas.openxmlformats.org/officeDocument/2006/relationships" xmlns:p="http://schemas.openxmlformats.org/presentationml/2006/main" showMasterSp="1" showMasterPhAnim="1">
+<p:sld xmlns:a="http://schemas.openxmlformats.org/drawingml/2006/main" xmlns:r="http://schemas.openxmlformats.org/officeDocument/2006/relationships" xmlns:p="http://schemas.openxmlformats.org/presentationml/2006/main">
   <p:cSld>
     <p:spTree>
       <p:nvGrpSpPr>
@@ -1895,7 +1907,9 @@
       <p:sp>
         <p:nvSpPr>
           <p:cNvPr id="32" name="Shape 32"/>
-          <p:cNvSpPr/>
+          <p:cNvSpPr>
+            <a:spLocks noGrp="1"/>
+          </p:cNvSpPr>
           <p:nvPr>
             <p:ph type="title"/>
           </p:nvPr>
@@ -1922,7 +1936,9 @@
       <p:sp>
         <p:nvSpPr>
           <p:cNvPr id="33" name="Shape 33"/>
-          <p:cNvSpPr/>
+          <p:cNvSpPr>
+            <a:spLocks noGrp="1"/>
+          </p:cNvSpPr>
           <p:nvPr>
             <p:ph type="body" idx="1"/>
           </p:nvPr>
@@ -1937,6 +1953,7 @@
           <a:lstStyle/>
           <a:p>
             <a:pPr lvl="0"/>
+            <a:endParaRPr/>
           </a:p>
         </p:txBody>
       </p:sp>
@@ -1945,12 +1962,19 @@
   <p:clrMapOvr>
     <a:masterClrMapping/>
   </p:clrMapOvr>
-  <p:transition spd="med" advClick="1"/>
+  <p:transition spd="med"/>
+  <p:timing>
+    <p:tnLst>
+      <p:par>
+        <p:cTn id="1" dur="indefinite" restart="never" nodeType="tmRoot"/>
+      </p:par>
+    </p:tnLst>
+  </p:timing>
 </p:sld>
 </file>
 
 <file path=ppt/slides/slide10.xml><?xml version="1.0" encoding="utf-8"?>
-<p:sld xmlns:a="http://schemas.openxmlformats.org/drawingml/2006/main" xmlns:r="http://schemas.openxmlformats.org/officeDocument/2006/relationships" xmlns:p="http://schemas.openxmlformats.org/presentationml/2006/main" showMasterSp="1" showMasterPhAnim="1">
+<p:sld xmlns:a="http://schemas.openxmlformats.org/drawingml/2006/main" xmlns:r="http://schemas.openxmlformats.org/officeDocument/2006/relationships" xmlns:p="http://schemas.openxmlformats.org/presentationml/2006/main">
   <p:cSld>
     <p:spTree>
       <p:nvGrpSpPr>
@@ -1969,7 +1993,9 @@
       <p:sp>
         <p:nvSpPr>
           <p:cNvPr id="60" name="Shape 60"/>
-          <p:cNvSpPr/>
+          <p:cNvSpPr>
+            <a:spLocks noGrp="1"/>
+          </p:cNvSpPr>
           <p:nvPr>
             <p:ph type="title"/>
           </p:nvPr>
@@ -1996,7 +2022,9 @@
       <p:sp>
         <p:nvSpPr>
           <p:cNvPr id="61" name="Shape 61"/>
-          <p:cNvSpPr/>
+          <p:cNvSpPr>
+            <a:spLocks noGrp="1"/>
+          </p:cNvSpPr>
           <p:nvPr>
             <p:ph type="body" idx="1"/>
           </p:nvPr>
@@ -2011,6 +2039,7 @@
           <a:lstStyle/>
           <a:p>
             <a:pPr lvl="0"/>
+            <a:endParaRPr/>
           </a:p>
         </p:txBody>
       </p:sp>
@@ -2021,7 +2050,7 @@
           <p:nvPr/>
         </p:nvPicPr>
         <p:blipFill>
-          <a:blip r:embed="rId2">
+          <a:blip r:embed="rId2" cstate="print">
             <a:extLst/>
           </a:blip>
           <a:stretch>
@@ -2046,12 +2075,19 @@
   <p:clrMapOvr>
     <a:masterClrMapping/>
   </p:clrMapOvr>
-  <p:transition spd="med" advClick="1"/>
+  <p:transition spd="med"/>
+  <p:timing>
+    <p:tnLst>
+      <p:par>
+        <p:cTn id="1" dur="indefinite" restart="never" nodeType="tmRoot"/>
+      </p:par>
+    </p:tnLst>
+  </p:timing>
 </p:sld>
 </file>
 
 <file path=ppt/slides/slide11.xml><?xml version="1.0" encoding="utf-8"?>
-<p:sld xmlns:a="http://schemas.openxmlformats.org/drawingml/2006/main" xmlns:r="http://schemas.openxmlformats.org/officeDocument/2006/relationships" xmlns:p="http://schemas.openxmlformats.org/presentationml/2006/main" showMasterSp="1" showMasterPhAnim="1">
+<p:sld xmlns:a="http://schemas.openxmlformats.org/drawingml/2006/main" xmlns:r="http://schemas.openxmlformats.org/officeDocument/2006/relationships" xmlns:p="http://schemas.openxmlformats.org/presentationml/2006/main">
   <p:cSld>
     <p:spTree>
       <p:nvGrpSpPr>
@@ -2070,7 +2106,9 @@
       <p:sp>
         <p:nvSpPr>
           <p:cNvPr id="64" name="Shape 64"/>
-          <p:cNvSpPr/>
+          <p:cNvSpPr>
+            <a:spLocks noGrp="1"/>
+          </p:cNvSpPr>
           <p:nvPr>
             <p:ph type="title"/>
           </p:nvPr>
@@ -2097,7 +2135,9 @@
       <p:sp>
         <p:nvSpPr>
           <p:cNvPr id="65" name="Shape 65"/>
-          <p:cNvSpPr/>
+          <p:cNvSpPr>
+            <a:spLocks noGrp="1"/>
+          </p:cNvSpPr>
           <p:nvPr>
             <p:ph type="body" idx="1"/>
           </p:nvPr>
@@ -2118,7 +2158,6 @@
               <a:rPr sz="3600"/>
               <a:t>所有添加到这个布局中的视图都以层叠的方式显示。第一个添加的组件放到最底层，最后添加到框架中的视图显示在最上面。上一层的会覆盖下一层的控件</a:t>
             </a:r>
-            <a:endParaRPr sz="3600"/>
           </a:p>
           <a:p>
             <a:pPr lvl="0">
@@ -2136,12 +2175,19 @@
   <p:clrMapOvr>
     <a:masterClrMapping/>
   </p:clrMapOvr>
-  <p:transition spd="med" advClick="1"/>
+  <p:transition spd="med"/>
+  <p:timing>
+    <p:tnLst>
+      <p:par>
+        <p:cTn id="1" dur="indefinite" restart="never" nodeType="tmRoot"/>
+      </p:par>
+    </p:tnLst>
+  </p:timing>
 </p:sld>
 </file>
 
 <file path=ppt/slides/slide12.xml><?xml version="1.0" encoding="utf-8"?>
-<p:sld xmlns:a="http://schemas.openxmlformats.org/drawingml/2006/main" xmlns:r="http://schemas.openxmlformats.org/officeDocument/2006/relationships" xmlns:p="http://schemas.openxmlformats.org/presentationml/2006/main" showMasterSp="1" showMasterPhAnim="1">
+<p:sld xmlns:a="http://schemas.openxmlformats.org/drawingml/2006/main" xmlns:r="http://schemas.openxmlformats.org/officeDocument/2006/relationships" xmlns:p="http://schemas.openxmlformats.org/presentationml/2006/main">
   <p:cSld>
     <p:spTree>
       <p:nvGrpSpPr>
@@ -2160,7 +2206,9 @@
       <p:sp>
         <p:nvSpPr>
           <p:cNvPr id="67" name="Shape 67"/>
-          <p:cNvSpPr/>
+          <p:cNvSpPr>
+            <a:spLocks noGrp="1"/>
+          </p:cNvSpPr>
           <p:nvPr>
             <p:ph type="title"/>
           </p:nvPr>
@@ -2187,7 +2235,9 @@
       <p:sp>
         <p:nvSpPr>
           <p:cNvPr id="68" name="Shape 68"/>
-          <p:cNvSpPr/>
+          <p:cNvSpPr>
+            <a:spLocks noGrp="1"/>
+          </p:cNvSpPr>
           <p:nvPr>
             <p:ph type="body" idx="1"/>
           </p:nvPr>
@@ -2202,6 +2252,7 @@
           <a:lstStyle/>
           <a:p>
             <a:pPr lvl="0"/>
+            <a:endParaRPr/>
           </a:p>
         </p:txBody>
       </p:sp>
@@ -2212,7 +2263,7 @@
           <p:nvPr/>
         </p:nvPicPr>
         <p:blipFill>
-          <a:blip r:embed="rId2">
+          <a:blip r:embed="rId2" cstate="print">
             <a:extLst/>
           </a:blip>
           <a:stretch>
@@ -2237,12 +2288,19 @@
   <p:clrMapOvr>
     <a:masterClrMapping/>
   </p:clrMapOvr>
-  <p:transition spd="med" advClick="1"/>
+  <p:transition spd="med"/>
+  <p:timing>
+    <p:tnLst>
+      <p:par>
+        <p:cTn id="1" dur="indefinite" restart="never" nodeType="tmRoot"/>
+      </p:par>
+    </p:tnLst>
+  </p:timing>
 </p:sld>
 </file>
 
 <file path=ppt/slides/slide13.xml><?xml version="1.0" encoding="utf-8"?>
-<p:sld xmlns:a="http://schemas.openxmlformats.org/drawingml/2006/main" xmlns:r="http://schemas.openxmlformats.org/officeDocument/2006/relationships" xmlns:p="http://schemas.openxmlformats.org/presentationml/2006/main" showMasterSp="1" showMasterPhAnim="1">
+<p:sld xmlns:a="http://schemas.openxmlformats.org/drawingml/2006/main" xmlns:r="http://schemas.openxmlformats.org/officeDocument/2006/relationships" xmlns:p="http://schemas.openxmlformats.org/presentationml/2006/main">
   <p:cSld>
     <p:spTree>
       <p:nvGrpSpPr>
@@ -2261,7 +2319,9 @@
       <p:sp>
         <p:nvSpPr>
           <p:cNvPr id="71" name="Shape 71"/>
-          <p:cNvSpPr/>
+          <p:cNvSpPr>
+            <a:spLocks noGrp="1"/>
+          </p:cNvSpPr>
           <p:nvPr>
             <p:ph type="title"/>
           </p:nvPr>
@@ -2288,7 +2348,9 @@
       <p:sp>
         <p:nvSpPr>
           <p:cNvPr id="72" name="Shape 72"/>
-          <p:cNvSpPr/>
+          <p:cNvSpPr>
+            <a:spLocks noGrp="1"/>
+          </p:cNvSpPr>
           <p:nvPr>
             <p:ph type="body" idx="1"/>
           </p:nvPr>
@@ -2302,67 +2364,83 @@
           <a:bodyPr/>
           <a:lstStyle/>
           <a:p>
-            <a:pPr lvl="0" marL="413384" indent="-413384" defTabSz="543305">
+            <a:pPr marL="413384" lvl="0" indent="-413384" defTabSz="543305">
               <a:spcBef>
                 <a:spcPts val="3900"/>
               </a:spcBef>
               <a:defRPr sz="1800"/>
             </a:pPr>
             <a:r>
-              <a:rPr sz="3348"/>
-              <a:t>相对布局，在这个容器内部的子元素们可以使用彼此之间的相对位置或者和容器间的相对位置来进行定位。</a:t>
-            </a:r>
-            <a:endParaRPr sz="3348"/>
-          </a:p>
-          <a:p>
-            <a:pPr lvl="0" marL="413384" indent="-413384" defTabSz="543305">
+              <a:rPr sz="3348" dirty="0" err="1"/>
+              <a:t>相对布局，在这个容器内部的子元素们可以使用彼此之间的相对位置或者和容器间的相对位置来进行定位</a:t>
+            </a:r>
+            <a:r>
+              <a:rPr sz="3348" dirty="0"/>
+              <a:t>。</a:t>
+            </a:r>
+          </a:p>
+          <a:p>
+            <a:pPr marL="413384" lvl="0" indent="-413384" defTabSz="543305">
               <a:spcBef>
                 <a:spcPts val="3900"/>
               </a:spcBef>
               <a:defRPr sz="1800"/>
             </a:pPr>
             <a:r>
-              <a:rPr sz="3348"/>
-              <a:t>android:layout_above 将该控件置于给定ID的控件之上</a:t>
-            </a:r>
-            <a:endParaRPr sz="3348"/>
-          </a:p>
-          <a:p>
-            <a:pPr lvl="0" marL="413384" indent="-413384" defTabSz="543305">
+              <a:rPr sz="3348" dirty="0" err="1"/>
+              <a:t>android:layout_above</a:t>
+            </a:r>
+            <a:r>
+              <a:rPr sz="3348" dirty="0"/>
+              <a:t> 将该控件置于给定ID的控件之上</a:t>
+            </a:r>
+          </a:p>
+          <a:p>
+            <a:pPr marL="413384" lvl="0" indent="-413384" defTabSz="543305">
               <a:spcBef>
                 <a:spcPts val="3900"/>
               </a:spcBef>
               <a:defRPr sz="1800"/>
             </a:pPr>
             <a:r>
-              <a:rPr sz="3348"/>
-              <a:t>android:layout_below 将该控件的置于给定ID控件之下</a:t>
-            </a:r>
-            <a:endParaRPr sz="3348"/>
-          </a:p>
-          <a:p>
-            <a:pPr lvl="0" marL="413384" indent="-413384" defTabSz="543305">
+              <a:rPr sz="3348" dirty="0" err="1"/>
+              <a:t>android:layout_below</a:t>
+            </a:r>
+            <a:r>
+              <a:rPr sz="3348" dirty="0"/>
+              <a:t> 将该控件的置于给定ID控件之下</a:t>
+            </a:r>
+          </a:p>
+          <a:p>
+            <a:pPr marL="413384" lvl="0" indent="-413384" defTabSz="543305">
               <a:spcBef>
                 <a:spcPts val="3900"/>
               </a:spcBef>
               <a:defRPr sz="1800"/>
             </a:pPr>
             <a:r>
-              <a:rPr sz="3348"/>
-              <a:t>android:layout_toLeftOf 将该控件置于给定ID的控件之左</a:t>
-            </a:r>
-            <a:endParaRPr sz="3348"/>
-          </a:p>
-          <a:p>
-            <a:pPr lvl="0" marL="413384" indent="-413384" defTabSz="543305">
+              <a:rPr sz="3348" dirty="0" err="1"/>
+              <a:t>android:layout_toLeftOf</a:t>
+            </a:r>
+            <a:r>
+              <a:rPr sz="3348" dirty="0"/>
+              <a:t> 将该控件置于给定ID的控件之左</a:t>
+            </a:r>
+          </a:p>
+          <a:p>
+            <a:pPr marL="413384" lvl="0" indent="-413384" defTabSz="543305">
               <a:spcBef>
                 <a:spcPts val="3900"/>
               </a:spcBef>
               <a:defRPr sz="1800"/>
             </a:pPr>
             <a:r>
-              <a:rPr sz="3348"/>
-              <a:t>android:layout_toRightOf 将该控件置于给定ID的控件之右</a:t>
+              <a:rPr sz="3348" dirty="0" err="1"/>
+              <a:t>android:layout_toRightOf</a:t>
+            </a:r>
+            <a:r>
+              <a:rPr sz="3348" dirty="0"/>
+              <a:t> 将该控件置于给定ID的控件之右</a:t>
             </a:r>
           </a:p>
         </p:txBody>
@@ -2372,12 +2450,19 @@
   <p:clrMapOvr>
     <a:masterClrMapping/>
   </p:clrMapOvr>
-  <p:transition spd="med" advClick="1"/>
+  <p:transition spd="med"/>
+  <p:timing>
+    <p:tnLst>
+      <p:par>
+        <p:cTn id="1" dur="indefinite" restart="never" nodeType="tmRoot"/>
+      </p:par>
+    </p:tnLst>
+  </p:timing>
 </p:sld>
 </file>
 
 <file path=ppt/slides/slide14.xml><?xml version="1.0" encoding="utf-8"?>
-<p:sld xmlns:a="http://schemas.openxmlformats.org/drawingml/2006/main" xmlns:r="http://schemas.openxmlformats.org/officeDocument/2006/relationships" xmlns:p="http://schemas.openxmlformats.org/presentationml/2006/main" showMasterSp="1" showMasterPhAnim="1">
+<p:sld xmlns:a="http://schemas.openxmlformats.org/drawingml/2006/main" xmlns:r="http://schemas.openxmlformats.org/officeDocument/2006/relationships" xmlns:p="http://schemas.openxmlformats.org/presentationml/2006/main">
   <p:cSld>
     <p:spTree>
       <p:nvGrpSpPr>
@@ -2396,7 +2481,9 @@
       <p:sp>
         <p:nvSpPr>
           <p:cNvPr id="74" name="Shape 74"/>
-          <p:cNvSpPr/>
+          <p:cNvSpPr>
+            <a:spLocks noGrp="1"/>
+          </p:cNvSpPr>
           <p:nvPr>
             <p:ph type="title"/>
           </p:nvPr>
@@ -2423,7 +2510,9 @@
       <p:sp>
         <p:nvSpPr>
           <p:cNvPr id="75" name="Shape 75"/>
-          <p:cNvSpPr/>
+          <p:cNvSpPr>
+            <a:spLocks noGrp="1"/>
+          </p:cNvSpPr>
           <p:nvPr>
             <p:ph type="body" idx="1"/>
           </p:nvPr>
@@ -2438,6 +2527,7 @@
           <a:lstStyle/>
           <a:p>
             <a:pPr lvl="0"/>
+            <a:endParaRPr/>
           </a:p>
         </p:txBody>
       </p:sp>
@@ -2448,7 +2538,7 @@
           <p:nvPr/>
         </p:nvPicPr>
         <p:blipFill>
-          <a:blip r:embed="rId2">
+          <a:blip r:embed="rId2" cstate="print">
             <a:extLst/>
           </a:blip>
           <a:stretch>
@@ -2473,12 +2563,19 @@
   <p:clrMapOvr>
     <a:masterClrMapping/>
   </p:clrMapOvr>
-  <p:transition spd="med" advClick="1"/>
+  <p:transition spd="med"/>
+  <p:timing>
+    <p:tnLst>
+      <p:par>
+        <p:cTn id="1" dur="indefinite" restart="never" nodeType="tmRoot"/>
+      </p:par>
+    </p:tnLst>
+  </p:timing>
 </p:sld>
 </file>
 
 <file path=ppt/slides/slide15.xml><?xml version="1.0" encoding="utf-8"?>
-<p:sld xmlns:a="http://schemas.openxmlformats.org/drawingml/2006/main" xmlns:r="http://schemas.openxmlformats.org/officeDocument/2006/relationships" xmlns:p="http://schemas.openxmlformats.org/presentationml/2006/main" showMasterSp="1" showMasterPhAnim="1">
+<p:sld xmlns:a="http://schemas.openxmlformats.org/drawingml/2006/main" xmlns:r="http://schemas.openxmlformats.org/officeDocument/2006/relationships" xmlns:p="http://schemas.openxmlformats.org/presentationml/2006/main">
   <p:cSld>
     <p:spTree>
       <p:nvGrpSpPr>
@@ -2497,7 +2594,9 @@
       <p:sp>
         <p:nvSpPr>
           <p:cNvPr id="78" name="Shape 78"/>
-          <p:cNvSpPr/>
+          <p:cNvSpPr>
+            <a:spLocks noGrp="1"/>
+          </p:cNvSpPr>
           <p:nvPr>
             <p:ph type="title"/>
           </p:nvPr>
@@ -2524,7 +2623,9 @@
       <p:sp>
         <p:nvSpPr>
           <p:cNvPr id="79" name="Shape 79"/>
-          <p:cNvSpPr/>
+          <p:cNvSpPr>
+            <a:spLocks noGrp="1"/>
+          </p:cNvSpPr>
           <p:nvPr>
             <p:ph type="body" idx="1"/>
           </p:nvPr>
@@ -2538,7 +2639,7 @@
           <a:bodyPr/>
           <a:lstStyle/>
           <a:p>
-            <a:pPr lvl="0" marL="328929" indent="-328929" defTabSz="432308">
+            <a:pPr marL="328929" lvl="0" indent="-328929" defTabSz="432308">
               <a:spcBef>
                 <a:spcPts val="3100"/>
               </a:spcBef>
@@ -2548,10 +2649,9 @@
               <a:rPr sz="2664"/>
               <a:t>TableLayout和Html网页上见到的Table有所不同，TableLayout没有边框的 </a:t>
             </a:r>
-            <a:endParaRPr sz="2664"/>
-          </a:p>
-          <a:p>
-            <a:pPr lvl="0" marL="328929" indent="-328929" defTabSz="432308">
+          </a:p>
+          <a:p>
+            <a:pPr marL="328929" lvl="0" indent="-328929" defTabSz="432308">
               <a:spcBef>
                 <a:spcPts val="3100"/>
               </a:spcBef>
@@ -2561,10 +2661,9 @@
               <a:rPr sz="2664"/>
               <a:t>它是由多个TableRow对象组成，每个TableRow可以有0个或多个单元格，每个单元格就是一个View。这些TableRow，单元格不能设置layout_width,宽度默认是fill_parent的，只有高度layout_height可以自定义，默认是wrap_content。 </a:t>
             </a:r>
-            <a:endParaRPr sz="2664"/>
-          </a:p>
-          <a:p>
-            <a:pPr lvl="0" marL="328929" indent="-328929" defTabSz="432308">
+          </a:p>
+          <a:p>
+            <a:pPr marL="328929" lvl="0" indent="-328929" defTabSz="432308">
               <a:spcBef>
                 <a:spcPts val="3100"/>
               </a:spcBef>
@@ -2574,10 +2673,9 @@
               <a:rPr sz="2664"/>
               <a:t>在TableRow中的单元格可以为empty，并且通过android:layout_column可以设置index值（索引从0开始）实现跳开某些单元格，直接报控件放置指定索引的单元格中。</a:t>
             </a:r>
-            <a:endParaRPr sz="2664"/>
-          </a:p>
-          <a:p>
-            <a:pPr lvl="0" marL="328929" indent="-328929" defTabSz="432308">
+          </a:p>
+          <a:p>
+            <a:pPr marL="328929" lvl="0" indent="-328929" defTabSz="432308">
               <a:spcBef>
                 <a:spcPts val="3100"/>
               </a:spcBef>
@@ -2595,12 +2693,19 @@
   <p:clrMapOvr>
     <a:masterClrMapping/>
   </p:clrMapOvr>
-  <p:transition spd="med" advClick="1"/>
+  <p:transition spd="med"/>
+  <p:timing>
+    <p:tnLst>
+      <p:par>
+        <p:cTn id="1" dur="indefinite" restart="never" nodeType="tmRoot"/>
+      </p:par>
+    </p:tnLst>
+  </p:timing>
 </p:sld>
 </file>
 
 <file path=ppt/slides/slide16.xml><?xml version="1.0" encoding="utf-8"?>
-<p:sld xmlns:a="http://schemas.openxmlformats.org/drawingml/2006/main" xmlns:r="http://schemas.openxmlformats.org/officeDocument/2006/relationships" xmlns:p="http://schemas.openxmlformats.org/presentationml/2006/main" showMasterSp="1" showMasterPhAnim="1">
+<p:sld xmlns:a="http://schemas.openxmlformats.org/drawingml/2006/main" xmlns:r="http://schemas.openxmlformats.org/officeDocument/2006/relationships" xmlns:p="http://schemas.openxmlformats.org/presentationml/2006/main">
   <p:cSld>
     <p:spTree>
       <p:nvGrpSpPr>
@@ -2619,7 +2724,9 @@
       <p:sp>
         <p:nvSpPr>
           <p:cNvPr id="81" name="Shape 81"/>
-          <p:cNvSpPr/>
+          <p:cNvSpPr>
+            <a:spLocks noGrp="1"/>
+          </p:cNvSpPr>
           <p:nvPr>
             <p:ph type="title"/>
           </p:nvPr>
@@ -2646,7 +2753,9 @@
       <p:sp>
         <p:nvSpPr>
           <p:cNvPr id="82" name="Shape 82"/>
-          <p:cNvSpPr/>
+          <p:cNvSpPr>
+            <a:spLocks noGrp="1"/>
+          </p:cNvSpPr>
           <p:nvPr>
             <p:ph type="body" idx="1"/>
           </p:nvPr>
@@ -2661,6 +2770,7 @@
           <a:lstStyle/>
           <a:p>
             <a:pPr lvl="0"/>
+            <a:endParaRPr/>
           </a:p>
         </p:txBody>
       </p:sp>
@@ -2671,7 +2781,7 @@
           <p:nvPr/>
         </p:nvPicPr>
         <p:blipFill>
-          <a:blip r:embed="rId2">
+          <a:blip r:embed="rId2" cstate="print">
             <a:extLst/>
           </a:blip>
           <a:stretch>
@@ -2696,12 +2806,236 @@
   <p:clrMapOvr>
     <a:masterClrMapping/>
   </p:clrMapOvr>
-  <p:transition spd="med" advClick="1"/>
+  <p:transition spd="med"/>
+  <p:timing>
+    <p:tnLst>
+      <p:par>
+        <p:cTn id="1" dur="indefinite" restart="never" nodeType="tmRoot"/>
+      </p:par>
+    </p:tnLst>
+  </p:timing>
 </p:sld>
 </file>
 
 <file path=ppt/slides/slide17.xml><?xml version="1.0" encoding="utf-8"?>
-<p:sld xmlns:a="http://schemas.openxmlformats.org/drawingml/2006/main" xmlns:r="http://schemas.openxmlformats.org/officeDocument/2006/relationships" xmlns:p="http://schemas.openxmlformats.org/presentationml/2006/main" showMasterSp="1" showMasterPhAnim="1">
+<p:sld xmlns:a="http://schemas.openxmlformats.org/drawingml/2006/main" xmlns:r="http://schemas.openxmlformats.org/officeDocument/2006/relationships" xmlns:p="http://schemas.openxmlformats.org/presentationml/2006/main">
+  <p:cSld>
+    <p:spTree>
+      <p:nvGrpSpPr>
+        <p:cNvPr id="1" name=""/>
+        <p:cNvGrpSpPr/>
+        <p:nvPr/>
+      </p:nvGrpSpPr>
+      <p:grpSpPr>
+        <a:xfrm>
+          <a:off x="0" y="0"/>
+          <a:ext cx="0" cy="0"/>
+          <a:chOff x="0" y="0"/>
+          <a:chExt cx="0" cy="0"/>
+        </a:xfrm>
+      </p:grpSpPr>
+      <p:sp>
+        <p:nvSpPr>
+          <p:cNvPr id="78" name="Shape 78"/>
+          <p:cNvSpPr>
+            <a:spLocks noGrp="1"/>
+          </p:cNvSpPr>
+          <p:nvPr>
+            <p:ph type="title"/>
+          </p:nvPr>
+        </p:nvSpPr>
+        <p:spPr>
+          <a:prstGeom prst="rect">
+            <a:avLst/>
+          </a:prstGeom>
+        </p:spPr>
+        <p:txBody>
+          <a:bodyPr/>
+          <a:lstStyle/>
+          <a:p>
+            <a:pPr lvl="0">
+              <a:defRPr sz="1800"/>
+            </a:pPr>
+            <a:r>
+              <a:rPr lang="en-US" sz="8000" dirty="0" err="1" smtClean="0"/>
+              <a:t>Grid</a:t>
+            </a:r>
+            <a:r>
+              <a:rPr sz="8000" dirty="0" err="1" smtClean="0"/>
+              <a:t>Layout</a:t>
+            </a:r>
+            <a:endParaRPr sz="8000" dirty="0"/>
+          </a:p>
+        </p:txBody>
+      </p:sp>
+      <p:sp>
+        <p:nvSpPr>
+          <p:cNvPr id="79" name="Shape 79"/>
+          <p:cNvSpPr>
+            <a:spLocks noGrp="1"/>
+          </p:cNvSpPr>
+          <p:nvPr>
+            <p:ph type="body" idx="1"/>
+          </p:nvPr>
+        </p:nvSpPr>
+        <p:spPr>
+          <a:prstGeom prst="rect">
+            <a:avLst/>
+          </a:prstGeom>
+        </p:spPr>
+        <p:txBody>
+          <a:bodyPr/>
+          <a:lstStyle/>
+          <a:p>
+            <a:pPr marL="328929" lvl="0" indent="-328929" defTabSz="432308">
+              <a:spcBef>
+                <a:spcPts val="3100"/>
+              </a:spcBef>
+              <a:defRPr sz="1800"/>
+            </a:pPr>
+            <a:r>
+              <a:rPr sz="2664"/>
+              <a:t>TableLayout和Html网页上见到的Table有所不同，TableLayout没有边框的 </a:t>
+            </a:r>
+          </a:p>
+          <a:p>
+            <a:pPr marL="328929" lvl="0" indent="-328929" defTabSz="432308">
+              <a:spcBef>
+                <a:spcPts val="3100"/>
+              </a:spcBef>
+              <a:defRPr sz="1800"/>
+            </a:pPr>
+            <a:r>
+              <a:rPr sz="2664"/>
+              <a:t>它是由多个TableRow对象组成，每个TableRow可以有0个或多个单元格，每个单元格就是一个View。这些TableRow，单元格不能设置layout_width,宽度默认是fill_parent的，只有高度layout_height可以自定义，默认是wrap_content。 </a:t>
+            </a:r>
+          </a:p>
+          <a:p>
+            <a:pPr marL="328929" lvl="0" indent="-328929" defTabSz="432308">
+              <a:spcBef>
+                <a:spcPts val="3100"/>
+              </a:spcBef>
+              <a:defRPr sz="1800"/>
+            </a:pPr>
+            <a:r>
+              <a:rPr sz="2664"/>
+              <a:t>在TableRow中的单元格可以为empty，并且通过android:layout_column可以设置index值（索引从0开始）实现跳开某些单元格，直接报控件放置指定索引的单元格中。</a:t>
+            </a:r>
+          </a:p>
+          <a:p>
+            <a:pPr marL="328929" lvl="0" indent="-328929" defTabSz="432308">
+              <a:spcBef>
+                <a:spcPts val="3100"/>
+              </a:spcBef>
+              <a:defRPr sz="1800"/>
+            </a:pPr>
+            <a:r>
+              <a:rPr sz="2664"/>
+              <a:t>添加View,设置layout_height以及背景色，就可以实现一条间隔线。android:layout_span可以设置合并几个单元格。</a:t>
+            </a:r>
+          </a:p>
+        </p:txBody>
+      </p:sp>
+    </p:spTree>
+  </p:cSld>
+  <p:clrMapOvr>
+    <a:masterClrMapping/>
+  </p:clrMapOvr>
+  <p:transition spd="med"/>
+  <p:timing>
+    <p:tnLst>
+      <p:par>
+        <p:cTn id="1" dur="indefinite" restart="never" nodeType="tmRoot"/>
+      </p:par>
+    </p:tnLst>
+  </p:timing>
+</p:sld>
+</file>
+
+<file path=ppt/slides/slide18.xml><?xml version="1.0" encoding="utf-8"?>
+<p:sld xmlns:a="http://schemas.openxmlformats.org/drawingml/2006/main" xmlns:r="http://schemas.openxmlformats.org/officeDocument/2006/relationships" xmlns:p="http://schemas.openxmlformats.org/presentationml/2006/main">
+  <p:cSld>
+    <p:spTree>
+      <p:nvGrpSpPr>
+        <p:cNvPr id="1" name=""/>
+        <p:cNvGrpSpPr/>
+        <p:nvPr/>
+      </p:nvGrpSpPr>
+      <p:grpSpPr>
+        <a:xfrm>
+          <a:off x="0" y="0"/>
+          <a:ext cx="0" cy="0"/>
+          <a:chOff x="0" y="0"/>
+          <a:chExt cx="0" cy="0"/>
+        </a:xfrm>
+      </p:grpSpPr>
+      <p:sp>
+        <p:nvSpPr>
+          <p:cNvPr id="2" name="标题 1"/>
+          <p:cNvSpPr>
+            <a:spLocks noGrp="1"/>
+          </p:cNvSpPr>
+          <p:nvPr>
+            <p:ph type="title"/>
+          </p:nvPr>
+        </p:nvSpPr>
+        <p:spPr/>
+        <p:txBody>
+          <a:bodyPr/>
+          <a:lstStyle/>
+          <a:p>
+            <a:r>
+              <a:rPr lang="zh-CN" altLang="en-US" dirty="0" smtClean="0"/>
+              <a:t>练习</a:t>
+            </a:r>
+            <a:endParaRPr lang="zh-CN" altLang="en-US" dirty="0"/>
+          </a:p>
+        </p:txBody>
+      </p:sp>
+      <p:pic>
+        <p:nvPicPr>
+          <p:cNvPr id="1026" name="Picture 2" descr="http://img.my.csdn.net/uploads/201212/17/1355725079_4446.jpg"/>
+          <p:cNvPicPr>
+            <a:picLocks noChangeAspect="1" noChangeArrowheads="1"/>
+          </p:cNvPicPr>
+          <p:nvPr/>
+        </p:nvPicPr>
+        <p:blipFill>
+          <a:blip r:embed="rId2" cstate="print"/>
+          <a:srcRect/>
+          <a:stretch>
+            <a:fillRect/>
+          </a:stretch>
+        </p:blipFill>
+        <p:spPr bwMode="auto">
+          <a:xfrm>
+            <a:off x="4414168" y="3292624"/>
+            <a:ext cx="2571750" cy="4048125"/>
+          </a:xfrm>
+          <a:prstGeom prst="rect">
+            <a:avLst/>
+          </a:prstGeom>
+          <a:noFill/>
+        </p:spPr>
+      </p:pic>
+    </p:spTree>
+  </p:cSld>
+  <p:clrMapOvr>
+    <a:masterClrMapping/>
+  </p:clrMapOvr>
+  <p:transition spd="med"/>
+  <p:timing>
+    <p:tnLst>
+      <p:par>
+        <p:cTn id="1" dur="indefinite" restart="never" nodeType="tmRoot"/>
+      </p:par>
+    </p:tnLst>
+  </p:timing>
+</p:sld>
+</file>
+
+<file path=ppt/slides/slide19.xml><?xml version="1.0" encoding="utf-8"?>
+<p:sld xmlns:a="http://schemas.openxmlformats.org/drawingml/2006/main" xmlns:r="http://schemas.openxmlformats.org/officeDocument/2006/relationships" xmlns:p="http://schemas.openxmlformats.org/presentationml/2006/main">
   <p:cSld>
     <p:spTree>
       <p:nvGrpSpPr>
@@ -2720,7 +3054,9 @@
       <p:sp>
         <p:nvSpPr>
           <p:cNvPr id="85" name="Shape 85"/>
-          <p:cNvSpPr/>
+          <p:cNvSpPr>
+            <a:spLocks noGrp="1"/>
+          </p:cNvSpPr>
           <p:nvPr>
             <p:ph type="title"/>
           </p:nvPr>
@@ -2747,7 +3083,9 @@
       <p:sp>
         <p:nvSpPr>
           <p:cNvPr id="86" name="Shape 86"/>
-          <p:cNvSpPr/>
+          <p:cNvSpPr>
+            <a:spLocks noGrp="1"/>
+          </p:cNvSpPr>
           <p:nvPr>
             <p:ph type="body" idx="1"/>
           </p:nvPr>
@@ -2768,7 +3106,6 @@
               <a:rPr sz="3600"/>
               <a:t>findViewById(R.id.res_id)</a:t>
             </a:r>
-            <a:endParaRPr sz="3600"/>
           </a:p>
           <a:p>
             <a:pPr lvl="0">
@@ -2778,7 +3115,6 @@
               <a:rPr sz="3600"/>
               <a:t>R.string.res_id</a:t>
             </a:r>
-            <a:endParaRPr sz="3600"/>
           </a:p>
           <a:p>
             <a:pPr lvl="0">
@@ -2788,7 +3124,6 @@
               <a:rPr sz="3600"/>
               <a:t>R.layout.layout_name</a:t>
             </a:r>
-            <a:endParaRPr sz="3600"/>
           </a:p>
           <a:p>
             <a:pPr lvl="0">
@@ -2806,12 +3141,128 @@
   <p:clrMapOvr>
     <a:masterClrMapping/>
   </p:clrMapOvr>
-  <p:transition spd="med" advClick="1"/>
+  <p:transition spd="med"/>
+  <p:timing>
+    <p:tnLst>
+      <p:par>
+        <p:cTn id="1" dur="indefinite" restart="never" nodeType="tmRoot"/>
+      </p:par>
+    </p:tnLst>
+  </p:timing>
 </p:sld>
 </file>
 
-<file path=ppt/slides/slide18.xml><?xml version="1.0" encoding="utf-8"?>
-<p:sld xmlns:a="http://schemas.openxmlformats.org/drawingml/2006/main" xmlns:r="http://schemas.openxmlformats.org/officeDocument/2006/relationships" xmlns:p="http://schemas.openxmlformats.org/presentationml/2006/main" showMasterSp="1" showMasterPhAnim="1">
+<file path=ppt/slides/slide2.xml><?xml version="1.0" encoding="utf-8"?>
+<p:sld xmlns:a="http://schemas.openxmlformats.org/drawingml/2006/main" xmlns:r="http://schemas.openxmlformats.org/officeDocument/2006/relationships" xmlns:p="http://schemas.openxmlformats.org/presentationml/2006/main">
+  <p:cSld>
+    <p:spTree>
+      <p:nvGrpSpPr>
+        <p:cNvPr id="1" name=""/>
+        <p:cNvGrpSpPr/>
+        <p:nvPr/>
+      </p:nvGrpSpPr>
+      <p:grpSpPr>
+        <a:xfrm>
+          <a:off x="0" y="0"/>
+          <a:ext cx="0" cy="0"/>
+          <a:chOff x="0" y="0"/>
+          <a:chExt cx="0" cy="0"/>
+        </a:xfrm>
+      </p:grpSpPr>
+      <p:sp>
+        <p:nvSpPr>
+          <p:cNvPr id="35" name="Shape 35"/>
+          <p:cNvSpPr>
+            <a:spLocks noGrp="1"/>
+          </p:cNvSpPr>
+          <p:nvPr>
+            <p:ph type="title"/>
+          </p:nvPr>
+        </p:nvSpPr>
+        <p:spPr>
+          <a:prstGeom prst="rect">
+            <a:avLst/>
+          </a:prstGeom>
+        </p:spPr>
+        <p:txBody>
+          <a:bodyPr/>
+          <a:lstStyle/>
+          <a:p>
+            <a:pPr lvl="0">
+              <a:defRPr sz="1800"/>
+            </a:pPr>
+            <a:r>
+              <a:rPr sz="8000"/>
+              <a:t>Activity</a:t>
+            </a:r>
+          </a:p>
+        </p:txBody>
+      </p:sp>
+      <p:sp>
+        <p:nvSpPr>
+          <p:cNvPr id="36" name="Shape 36"/>
+          <p:cNvSpPr>
+            <a:spLocks noGrp="1"/>
+          </p:cNvSpPr>
+          <p:nvPr>
+            <p:ph type="body" idx="1"/>
+          </p:nvPr>
+        </p:nvSpPr>
+        <p:spPr>
+          <a:prstGeom prst="rect">
+            <a:avLst/>
+          </a:prstGeom>
+        </p:spPr>
+        <p:txBody>
+          <a:bodyPr/>
+          <a:lstStyle/>
+          <a:p>
+            <a:pPr lvl="0">
+              <a:defRPr sz="1800"/>
+            </a:pPr>
+            <a:r>
+              <a:rPr sz="3600"/>
+              <a:t>Android以activity来组织应用</a:t>
+            </a:r>
+          </a:p>
+          <a:p>
+            <a:pPr lvl="0">
+              <a:defRPr sz="1800"/>
+            </a:pPr>
+            <a:r>
+              <a:rPr sz="3600"/>
+              <a:t>每个页面基本对应于一个Activity</a:t>
+            </a:r>
+          </a:p>
+          <a:p>
+            <a:pPr lvl="0">
+              <a:defRPr sz="1800"/>
+            </a:pPr>
+            <a:r>
+              <a:rPr sz="3600"/>
+              <a:t>每个Activity有自己的生命周期（见下页）</a:t>
+            </a:r>
+          </a:p>
+        </p:txBody>
+      </p:sp>
+    </p:spTree>
+  </p:cSld>
+  <p:clrMapOvr>
+    <a:masterClrMapping/>
+  </p:clrMapOvr>
+  <p:transition spd="med"/>
+  <p:timing>
+    <p:tnLst>
+      <p:par>
+        <p:cTn id="1" dur="indefinite" restart="never" nodeType="tmRoot"/>
+      </p:par>
+    </p:tnLst>
+  </p:timing>
+</p:sld>
+</file>
+
+<file path=ppt/slides/slide20.xml><?xml version="1.0" encoding="utf-8"?>
+<p:sld xmlns:a="http://schemas.openxmlformats.org/drawingml/2006/main" xmlns:r="http://schemas.openxmlformats.org/officeDocument/2006/relationships" xmlns:p="http://schemas.openxmlformats.org/presentationml/2006/main">
   <p:cSld>
     <p:spTree>
       <p:nvGrpSpPr>
@@ -2830,7 +3281,9 @@
       <p:sp>
         <p:nvSpPr>
           <p:cNvPr id="88" name="Shape 88"/>
-          <p:cNvSpPr/>
+          <p:cNvSpPr>
+            <a:spLocks noGrp="1"/>
+          </p:cNvSpPr>
           <p:nvPr>
             <p:ph type="title"/>
           </p:nvPr>
@@ -2857,7 +3310,9 @@
       <p:sp>
         <p:nvSpPr>
           <p:cNvPr id="89" name="Shape 89"/>
-          <p:cNvSpPr/>
+          <p:cNvSpPr>
+            <a:spLocks noGrp="1"/>
+          </p:cNvSpPr>
           <p:nvPr>
             <p:ph type="body" idx="1"/>
           </p:nvPr>
@@ -2868,66 +3323,79 @@
           </a:prstGeom>
         </p:spPr>
         <p:txBody>
-          <a:bodyPr/>
+          <a:bodyPr>
+            <a:normAutofit fontScale="92500" lnSpcReduction="20000"/>
+          </a:bodyPr>
           <a:lstStyle/>
           <a:p>
             <a:pPr lvl="0">
               <a:defRPr sz="1800"/>
             </a:pPr>
             <a:r>
-              <a:rPr sz="3600"/>
+              <a:rPr sz="3600" dirty="0" err="1"/>
               <a:t>完成本节讲的几种布局</a:t>
             </a:r>
-            <a:endParaRPr sz="3600"/>
+            <a:endParaRPr sz="3600" dirty="0"/>
           </a:p>
           <a:p>
             <a:pPr lvl="1">
               <a:defRPr sz="1800"/>
             </a:pPr>
             <a:r>
-              <a:rPr sz="3600"/>
+              <a:rPr sz="3600" b="1" dirty="0" err="1"/>
               <a:t>LinearLayout</a:t>
             </a:r>
-            <a:endParaRPr sz="3600"/>
+            <a:endParaRPr sz="3600" b="1" dirty="0"/>
           </a:p>
           <a:p>
             <a:pPr lvl="1">
               <a:defRPr sz="1800"/>
             </a:pPr>
             <a:r>
-              <a:rPr sz="3600"/>
+              <a:rPr sz="3600" b="1" dirty="0" err="1"/>
               <a:t>RelativeLayout</a:t>
             </a:r>
-            <a:endParaRPr sz="3600"/>
+            <a:endParaRPr sz="3600" b="1" dirty="0"/>
           </a:p>
           <a:p>
             <a:pPr lvl="1">
               <a:defRPr sz="1800"/>
             </a:pPr>
             <a:r>
-              <a:rPr sz="3600"/>
+              <a:rPr sz="3600" dirty="0" err="1"/>
               <a:t>AbsoluteLayout</a:t>
             </a:r>
-            <a:endParaRPr sz="3600"/>
+            <a:endParaRPr sz="3600" dirty="0"/>
           </a:p>
           <a:p>
             <a:pPr lvl="1">
               <a:defRPr sz="1800"/>
             </a:pPr>
             <a:r>
-              <a:rPr sz="3600"/>
+              <a:rPr sz="3600" b="1" dirty="0" err="1"/>
               <a:t>FrameLayout</a:t>
             </a:r>
-            <a:endParaRPr sz="3600"/>
+            <a:endParaRPr sz="3600" b="1" dirty="0"/>
           </a:p>
           <a:p>
             <a:pPr lvl="1">
               <a:defRPr sz="1800"/>
             </a:pPr>
             <a:r>
-              <a:rPr sz="3600"/>
+              <a:rPr sz="3600" dirty="0" err="1" smtClean="0"/>
               <a:t>TableLayout</a:t>
             </a:r>
+            <a:endParaRPr lang="en-US" sz="3600" dirty="0" smtClean="0"/>
+          </a:p>
+          <a:p>
+            <a:pPr lvl="1">
+              <a:defRPr sz="1800"/>
+            </a:pPr>
+            <a:r>
+              <a:rPr lang="en-US" altLang="zh-CN" sz="3500" b="1" dirty="0" err="1" smtClean="0"/>
+              <a:t>GridLayout</a:t>
+            </a:r>
+            <a:endParaRPr sz="5800" b="1" dirty="0"/>
           </a:p>
         </p:txBody>
       </p:sp>
@@ -2936,12 +3404,12 @@
   <p:clrMapOvr>
     <a:masterClrMapping/>
   </p:clrMapOvr>
-  <p:transition spd="med" advClick="1"/>
+  <p:transition spd="med"/>
 </p:sld>
 </file>
 
-<file path=ppt/slides/slide19.xml><?xml version="1.0" encoding="utf-8"?>
-<p:sld xmlns:a="http://schemas.openxmlformats.org/drawingml/2006/main" xmlns:r="http://schemas.openxmlformats.org/officeDocument/2006/relationships" xmlns:p="http://schemas.openxmlformats.org/presentationml/2006/main" showMasterSp="1" showMasterPhAnim="1">
+<file path=ppt/slides/slide21.xml><?xml version="1.0" encoding="utf-8"?>
+<p:sld xmlns:a="http://schemas.openxmlformats.org/drawingml/2006/main" xmlns:r="http://schemas.openxmlformats.org/officeDocument/2006/relationships" xmlns:p="http://schemas.openxmlformats.org/presentationml/2006/main">
   <p:cSld>
     <p:spTree>
       <p:nvGrpSpPr>
@@ -2960,7 +3428,9 @@
       <p:sp>
         <p:nvSpPr>
           <p:cNvPr id="91" name="Shape 91"/>
-          <p:cNvSpPr/>
+          <p:cNvSpPr>
+            <a:spLocks noGrp="1"/>
+          </p:cNvSpPr>
           <p:nvPr>
             <p:ph type="title"/>
           </p:nvPr>
@@ -2987,7 +3457,9 @@
       <p:sp>
         <p:nvSpPr>
           <p:cNvPr id="92" name="Shape 92"/>
-          <p:cNvSpPr/>
+          <p:cNvSpPr>
+            <a:spLocks noGrp="1"/>
+          </p:cNvSpPr>
           <p:nvPr>
             <p:ph type="body" idx="1"/>
           </p:nvPr>
@@ -3008,7 +3480,6 @@
               <a:rPr sz="3600"/>
               <a:t>GeoQuiz</a:t>
             </a:r>
-            <a:endParaRPr sz="3600"/>
           </a:p>
           <a:p>
             <a:pPr lvl="0">
@@ -3018,7 +3489,6 @@
               <a:rPr sz="3600"/>
               <a:t>自己设置10个问题</a:t>
             </a:r>
-            <a:endParaRPr sz="3600"/>
           </a:p>
           <a:p>
             <a:pPr lvl="0">
@@ -3028,7 +3498,6 @@
               <a:rPr sz="3600"/>
               <a:t>用户答对了，显示Correct toast信息</a:t>
             </a:r>
-            <a:endParaRPr sz="3600"/>
           </a:p>
           <a:p>
             <a:pPr lvl="0">
@@ -3038,7 +3507,6 @@
               <a:rPr sz="3600"/>
               <a:t>用户打错了，显示Incorrect toast信息</a:t>
             </a:r>
-            <a:endParaRPr sz="3600"/>
           </a:p>
           <a:p>
             <a:pPr lvl="0">
@@ -3058,7 +3526,7 @@
           <p:nvPr/>
         </p:nvPicPr>
         <p:blipFill>
-          <a:blip r:embed="rId2">
+          <a:blip r:embed="rId2" cstate="print">
             <a:extLst/>
           </a:blip>
           <a:stretch>
@@ -3083,112 +3551,12 @@
   <p:clrMapOvr>
     <a:masterClrMapping/>
   </p:clrMapOvr>
-  <p:transition spd="med" advClick="1"/>
-</p:sld>
-</file>
-
-<file path=ppt/slides/slide2.xml><?xml version="1.0" encoding="utf-8"?>
-<p:sld xmlns:a="http://schemas.openxmlformats.org/drawingml/2006/main" xmlns:r="http://schemas.openxmlformats.org/officeDocument/2006/relationships" xmlns:p="http://schemas.openxmlformats.org/presentationml/2006/main" showMasterSp="1" showMasterPhAnim="1">
-  <p:cSld>
-    <p:spTree>
-      <p:nvGrpSpPr>
-        <p:cNvPr id="1" name=""/>
-        <p:cNvGrpSpPr/>
-        <p:nvPr/>
-      </p:nvGrpSpPr>
-      <p:grpSpPr>
-        <a:xfrm>
-          <a:off x="0" y="0"/>
-          <a:ext cx="0" cy="0"/>
-          <a:chOff x="0" y="0"/>
-          <a:chExt cx="0" cy="0"/>
-        </a:xfrm>
-      </p:grpSpPr>
-      <p:sp>
-        <p:nvSpPr>
-          <p:cNvPr id="35" name="Shape 35"/>
-          <p:cNvSpPr/>
-          <p:nvPr>
-            <p:ph type="title"/>
-          </p:nvPr>
-        </p:nvSpPr>
-        <p:spPr>
-          <a:prstGeom prst="rect">
-            <a:avLst/>
-          </a:prstGeom>
-        </p:spPr>
-        <p:txBody>
-          <a:bodyPr/>
-          <a:lstStyle/>
-          <a:p>
-            <a:pPr lvl="0">
-              <a:defRPr sz="1800"/>
-            </a:pPr>
-            <a:r>
-              <a:rPr sz="8000"/>
-              <a:t>Activity</a:t>
-            </a:r>
-          </a:p>
-        </p:txBody>
-      </p:sp>
-      <p:sp>
-        <p:nvSpPr>
-          <p:cNvPr id="36" name="Shape 36"/>
-          <p:cNvSpPr/>
-          <p:nvPr>
-            <p:ph type="body" idx="1"/>
-          </p:nvPr>
-        </p:nvSpPr>
-        <p:spPr>
-          <a:prstGeom prst="rect">
-            <a:avLst/>
-          </a:prstGeom>
-        </p:spPr>
-        <p:txBody>
-          <a:bodyPr/>
-          <a:lstStyle/>
-          <a:p>
-            <a:pPr lvl="0">
-              <a:defRPr sz="1800"/>
-            </a:pPr>
-            <a:r>
-              <a:rPr sz="3600"/>
-              <a:t>Android以activity来组织应用</a:t>
-            </a:r>
-            <a:endParaRPr sz="3600"/>
-          </a:p>
-          <a:p>
-            <a:pPr lvl="0">
-              <a:defRPr sz="1800"/>
-            </a:pPr>
-            <a:r>
-              <a:rPr sz="3600"/>
-              <a:t>每个页面基本对应于一个Activity</a:t>
-            </a:r>
-            <a:endParaRPr sz="3600"/>
-          </a:p>
-          <a:p>
-            <a:pPr lvl="0">
-              <a:defRPr sz="1800"/>
-            </a:pPr>
-            <a:r>
-              <a:rPr sz="3600"/>
-              <a:t>每个Activity有自己的生命周期（见下页）</a:t>
-            </a:r>
-          </a:p>
-        </p:txBody>
-      </p:sp>
-    </p:spTree>
-  </p:cSld>
-  <p:clrMapOvr>
-    <a:masterClrMapping/>
-  </p:clrMapOvr>
-  <p:transition spd="med" advClick="1"/>
+  <p:transition spd="med"/>
 </p:sld>
 </file>
 
 <file path=ppt/slides/slide3.xml><?xml version="1.0" encoding="utf-8"?>
-<p:sld xmlns:a="http://schemas.openxmlformats.org/drawingml/2006/main" xmlns:r="http://schemas.openxmlformats.org/officeDocument/2006/relationships" xmlns:p="http://schemas.openxmlformats.org/presentationml/2006/main" showMasterSp="1" showMasterPhAnim="1">
+<p:sld xmlns:a="http://schemas.openxmlformats.org/drawingml/2006/main" xmlns:r="http://schemas.openxmlformats.org/officeDocument/2006/relationships" xmlns:p="http://schemas.openxmlformats.org/presentationml/2006/main">
   <p:cSld>
     <p:spTree>
       <p:nvGrpSpPr>
@@ -3207,7 +3575,9 @@
       <p:sp>
         <p:nvSpPr>
           <p:cNvPr id="38" name="Shape 38"/>
-          <p:cNvSpPr/>
+          <p:cNvSpPr>
+            <a:spLocks noGrp="1"/>
+          </p:cNvSpPr>
           <p:nvPr>
             <p:ph type="title"/>
           </p:nvPr>
@@ -3246,7 +3616,7 @@
           <p:nvPr/>
         </p:nvPicPr>
         <p:blipFill>
-          <a:blip r:embed="rId2">
+          <a:blip r:embed="rId2" cstate="print">
             <a:extLst/>
           </a:blip>
           <a:stretch>
@@ -3271,12 +3641,19 @@
   <p:clrMapOvr>
     <a:masterClrMapping/>
   </p:clrMapOvr>
-  <p:transition spd="med" advClick="1"/>
+  <p:transition spd="med"/>
+  <p:timing>
+    <p:tnLst>
+      <p:par>
+        <p:cTn id="1" dur="indefinite" restart="never" nodeType="tmRoot"/>
+      </p:par>
+    </p:tnLst>
+  </p:timing>
 </p:sld>
 </file>
 
 <file path=ppt/slides/slide4.xml><?xml version="1.0" encoding="utf-8"?>
-<p:sld xmlns:a="http://schemas.openxmlformats.org/drawingml/2006/main" xmlns:r="http://schemas.openxmlformats.org/officeDocument/2006/relationships" xmlns:p="http://schemas.openxmlformats.org/presentationml/2006/main" showMasterSp="1" showMasterPhAnim="1">
+<p:sld xmlns:a="http://schemas.openxmlformats.org/drawingml/2006/main" xmlns:r="http://schemas.openxmlformats.org/officeDocument/2006/relationships" xmlns:p="http://schemas.openxmlformats.org/presentationml/2006/main">
   <p:cSld>
     <p:spTree>
       <p:nvGrpSpPr>
@@ -3295,7 +3672,9 @@
       <p:sp>
         <p:nvSpPr>
           <p:cNvPr id="41" name="Shape 41"/>
-          <p:cNvSpPr/>
+          <p:cNvSpPr>
+            <a:spLocks noGrp="1"/>
+          </p:cNvSpPr>
           <p:nvPr>
             <p:ph type="title"/>
           </p:nvPr>
@@ -3322,7 +3701,9 @@
       <p:sp>
         <p:nvSpPr>
           <p:cNvPr id="42" name="Shape 42"/>
-          <p:cNvSpPr/>
+          <p:cNvSpPr>
+            <a:spLocks noGrp="1"/>
+          </p:cNvSpPr>
           <p:nvPr>
             <p:ph type="body" idx="1"/>
           </p:nvPr>
@@ -3336,7 +3717,7 @@
           <a:bodyPr/>
           <a:lstStyle/>
           <a:p>
-            <a:pPr lvl="0" marL="413384" indent="-413384" defTabSz="543305">
+            <a:pPr marL="413384" lvl="0" indent="-413384" defTabSz="543305">
               <a:spcBef>
                 <a:spcPts val="3900"/>
               </a:spcBef>
@@ -3346,10 +3727,9 @@
               <a:rPr sz="3348"/>
               <a:t>布局：Layout</a:t>
             </a:r>
-            <a:endParaRPr sz="3348"/>
-          </a:p>
-          <a:p>
-            <a:pPr lvl="0" marL="413384" indent="-413384" defTabSz="543305">
+          </a:p>
+          <a:p>
+            <a:pPr marL="413384" lvl="0" indent="-413384" defTabSz="543305">
               <a:spcBef>
                 <a:spcPts val="3900"/>
               </a:spcBef>
@@ -3359,10 +3739,9 @@
               <a:rPr sz="3348"/>
               <a:t>按钮: Button</a:t>
             </a:r>
-            <a:endParaRPr sz="3348"/>
-          </a:p>
-          <a:p>
-            <a:pPr lvl="0" marL="413384" indent="-413384" defTabSz="543305">
+          </a:p>
+          <a:p>
+            <a:pPr marL="413384" lvl="0" indent="-413384" defTabSz="543305">
               <a:spcBef>
                 <a:spcPts val="3900"/>
               </a:spcBef>
@@ -3372,10 +3751,9 @@
               <a:rPr sz="3348"/>
               <a:t>文本: TextView</a:t>
             </a:r>
-            <a:endParaRPr sz="3348"/>
-          </a:p>
-          <a:p>
-            <a:pPr lvl="0" marL="413384" indent="-413384" defTabSz="543305">
+          </a:p>
+          <a:p>
+            <a:pPr marL="413384" lvl="0" indent="-413384" defTabSz="543305">
               <a:spcBef>
                 <a:spcPts val="3900"/>
               </a:spcBef>
@@ -3385,10 +3763,9 @@
               <a:rPr sz="3348"/>
               <a:t>文本框: EditText</a:t>
             </a:r>
-            <a:endParaRPr sz="3348"/>
-          </a:p>
-          <a:p>
-            <a:pPr lvl="0" marL="413384" indent="-413384" defTabSz="543305">
+          </a:p>
+          <a:p>
+            <a:pPr marL="413384" lvl="0" indent="-413384" defTabSz="543305">
               <a:spcBef>
                 <a:spcPts val="3900"/>
               </a:spcBef>
@@ -3398,10 +3775,9 @@
               <a:rPr sz="3348"/>
               <a:t>日期选择: DatePicker</a:t>
             </a:r>
-            <a:endParaRPr sz="3348"/>
-          </a:p>
-          <a:p>
-            <a:pPr lvl="0" marL="413384" indent="-413384" defTabSz="543305">
+          </a:p>
+          <a:p>
+            <a:pPr marL="413384" lvl="0" indent="-413384" defTabSz="543305">
               <a:spcBef>
                 <a:spcPts val="3900"/>
               </a:spcBef>
@@ -3419,12 +3795,19 @@
   <p:clrMapOvr>
     <a:masterClrMapping/>
   </p:clrMapOvr>
-  <p:transition spd="med" advClick="1"/>
+  <p:transition spd="med"/>
+  <p:timing>
+    <p:tnLst>
+      <p:par>
+        <p:cTn id="1" dur="indefinite" restart="never" nodeType="tmRoot"/>
+      </p:par>
+    </p:tnLst>
+  </p:timing>
 </p:sld>
 </file>
 
 <file path=ppt/slides/slide5.xml><?xml version="1.0" encoding="utf-8"?>
-<p:sld xmlns:a="http://schemas.openxmlformats.org/drawingml/2006/main" xmlns:r="http://schemas.openxmlformats.org/officeDocument/2006/relationships" xmlns:p="http://schemas.openxmlformats.org/presentationml/2006/main" showMasterSp="1" showMasterPhAnim="1">
+<p:sld xmlns:a="http://schemas.openxmlformats.org/drawingml/2006/main" xmlns:r="http://schemas.openxmlformats.org/officeDocument/2006/relationships" xmlns:p="http://schemas.openxmlformats.org/presentationml/2006/main">
   <p:cSld>
     <p:spTree>
       <p:nvGrpSpPr>
@@ -3443,7 +3826,9 @@
       <p:sp>
         <p:nvSpPr>
           <p:cNvPr id="44" name="Shape 44"/>
-          <p:cNvSpPr/>
+          <p:cNvSpPr>
+            <a:spLocks noGrp="1"/>
+          </p:cNvSpPr>
           <p:nvPr>
             <p:ph type="title"/>
           </p:nvPr>
@@ -3470,7 +3855,9 @@
       <p:sp>
         <p:nvSpPr>
           <p:cNvPr id="45" name="Shape 45"/>
-          <p:cNvSpPr/>
+          <p:cNvSpPr>
+            <a:spLocks noGrp="1"/>
+          </p:cNvSpPr>
           <p:nvPr>
             <p:ph type="body" idx="1"/>
           </p:nvPr>
@@ -3488,49 +3875,60 @@
               <a:defRPr sz="1800"/>
             </a:pPr>
             <a:r>
-              <a:rPr sz="3600"/>
+              <a:rPr sz="3600" dirty="0" err="1"/>
               <a:t>LinearLayout</a:t>
             </a:r>
-            <a:endParaRPr sz="3600"/>
+            <a:endParaRPr sz="3600" dirty="0"/>
           </a:p>
           <a:p>
             <a:pPr lvl="0">
               <a:defRPr sz="1800"/>
             </a:pPr>
             <a:r>
-              <a:rPr sz="3600"/>
+              <a:rPr sz="3200" dirty="0" err="1" smtClean="0"/>
               <a:t>GridLayout</a:t>
             </a:r>
-            <a:endParaRPr sz="3600"/>
+            <a:endParaRPr lang="en-US" sz="3200" dirty="0" err="1" smtClean="0"/>
           </a:p>
           <a:p>
             <a:pPr lvl="0">
               <a:defRPr sz="1800"/>
             </a:pPr>
             <a:r>
-              <a:rPr sz="3600"/>
+              <a:rPr lang="en-US" sz="3200" dirty="0" err="1" smtClean="0"/>
+              <a:t>TableLayout</a:t>
+            </a:r>
+            <a:endParaRPr sz="3200" dirty="0" err="1"/>
+          </a:p>
+          <a:p>
+            <a:pPr lvl="0">
+              <a:defRPr sz="1800"/>
+            </a:pPr>
+            <a:r>
+              <a:rPr sz="3200" dirty="0" err="1"/>
               <a:t>RelativeLayout</a:t>
             </a:r>
-            <a:endParaRPr sz="3600"/>
+            <a:endParaRPr dirty="0" err="1"/>
           </a:p>
           <a:p>
             <a:pPr lvl="0">
               <a:defRPr sz="1800"/>
             </a:pPr>
             <a:r>
-              <a:rPr sz="3600"/>
+              <a:rPr sz="3600" dirty="0" err="1"/>
               <a:t>FrameLayout</a:t>
             </a:r>
-            <a:endParaRPr sz="3600"/>
+            <a:endParaRPr sz="3600" dirty="0"/>
           </a:p>
           <a:p>
             <a:pPr lvl="0">
               <a:defRPr sz="1800"/>
             </a:pPr>
             <a:r>
-              <a:rPr sz="3600"/>
+              <a:rPr sz="3600" dirty="0" err="1"/>
               <a:t>AbsoluteLayout</a:t>
             </a:r>
+            <a:endParaRPr sz="3600" dirty="0"/>
           </a:p>
         </p:txBody>
       </p:sp>
@@ -3539,12 +3937,19 @@
   <p:clrMapOvr>
     <a:masterClrMapping/>
   </p:clrMapOvr>
-  <p:transition spd="med" advClick="1"/>
+  <p:transition spd="med"/>
+  <p:timing>
+    <p:tnLst>
+      <p:par>
+        <p:cTn id="1" dur="indefinite" restart="never" nodeType="tmRoot"/>
+      </p:par>
+    </p:tnLst>
+  </p:timing>
 </p:sld>
 </file>
 
 <file path=ppt/slides/slide6.xml><?xml version="1.0" encoding="utf-8"?>
-<p:sld xmlns:a="http://schemas.openxmlformats.org/drawingml/2006/main" xmlns:r="http://schemas.openxmlformats.org/officeDocument/2006/relationships" xmlns:p="http://schemas.openxmlformats.org/presentationml/2006/main" showMasterSp="1" showMasterPhAnim="1">
+<p:sld xmlns:a="http://schemas.openxmlformats.org/drawingml/2006/main" xmlns:r="http://schemas.openxmlformats.org/officeDocument/2006/relationships" xmlns:p="http://schemas.openxmlformats.org/presentationml/2006/main">
   <p:cSld>
     <p:spTree>
       <p:nvGrpSpPr>
@@ -3563,7 +3968,9 @@
       <p:sp>
         <p:nvSpPr>
           <p:cNvPr id="47" name="Shape 47"/>
-          <p:cNvSpPr/>
+          <p:cNvSpPr>
+            <a:spLocks noGrp="1"/>
+          </p:cNvSpPr>
           <p:nvPr>
             <p:ph type="title"/>
           </p:nvPr>
@@ -3581,16 +3988,19 @@
               <a:defRPr sz="1800"/>
             </a:pPr>
             <a:r>
-              <a:rPr sz="8000"/>
+              <a:rPr sz="8000" dirty="0" err="1"/>
               <a:t>常见layout属性</a:t>
             </a:r>
+            <a:endParaRPr sz="8000" dirty="0"/>
           </a:p>
         </p:txBody>
       </p:sp>
       <p:sp>
         <p:nvSpPr>
           <p:cNvPr id="48" name="Shape 48"/>
-          <p:cNvSpPr/>
+          <p:cNvSpPr>
+            <a:spLocks noGrp="1"/>
+          </p:cNvSpPr>
           <p:nvPr>
             <p:ph type="body" idx="1"/>
           </p:nvPr>
@@ -3605,66 +4015,117 @@
           </a:prstGeom>
         </p:spPr>
         <p:txBody>
-          <a:bodyPr/>
+          <a:bodyPr>
+            <a:normAutofit fontScale="92500" lnSpcReduction="20000"/>
+          </a:bodyPr>
           <a:lstStyle/>
           <a:p>
             <a:pPr lvl="0">
               <a:defRPr sz="1800"/>
             </a:pPr>
             <a:r>
-              <a:rPr sz="3600"/>
-              <a:t>layout_width: wrap_content/match_parent/fill_parent</a:t>
-            </a:r>
-            <a:endParaRPr sz="3600"/>
+              <a:rPr sz="3600" dirty="0" err="1"/>
+              <a:t>layout_width</a:t>
+            </a:r>
+            <a:r>
+              <a:rPr sz="3600" dirty="0"/>
+              <a:t>: </a:t>
+            </a:r>
+            <a:r>
+              <a:rPr sz="3600" dirty="0" err="1"/>
+              <a:t>wrap_content/match_parent/fill_parent</a:t>
+            </a:r>
+            <a:endParaRPr sz="3600" dirty="0"/>
           </a:p>
           <a:p>
             <a:pPr lvl="0">
               <a:defRPr sz="1800"/>
             </a:pPr>
             <a:r>
-              <a:rPr sz="3600"/>
+              <a:rPr sz="3600" dirty="0" err="1"/>
               <a:t>layout_height:wrap_content/match_parent/fill_parent</a:t>
             </a:r>
-            <a:endParaRPr sz="3600"/>
+            <a:endParaRPr sz="3600" dirty="0"/>
           </a:p>
           <a:p>
             <a:pPr lvl="0">
               <a:defRPr sz="1800"/>
             </a:pPr>
             <a:r>
-              <a:rPr sz="3600"/>
-              <a:t>layout_gravity: center/left/right</a:t>
-            </a:r>
-            <a:endParaRPr sz="3600"/>
+              <a:rPr sz="3600" dirty="0" err="1"/>
+              <a:t>layout_gravity</a:t>
+            </a:r>
+            <a:r>
+              <a:rPr sz="3600" dirty="0"/>
+              <a:t>: center/left/right</a:t>
+            </a:r>
           </a:p>
           <a:p>
             <a:pPr lvl="0">
               <a:defRPr sz="1800"/>
             </a:pPr>
             <a:r>
-              <a:rPr sz="3600"/>
-              <a:t>gravity: center/left/right</a:t>
-            </a:r>
-            <a:endParaRPr sz="3600"/>
+              <a:rPr sz="3600" dirty="0"/>
+              <a:t>gravity: </a:t>
+            </a:r>
+            <a:r>
+              <a:rPr sz="3600" dirty="0" smtClean="0"/>
+              <a:t>center/left/right</a:t>
+            </a:r>
+            <a:endParaRPr lang="en-US" sz="3600" dirty="0" smtClean="0"/>
           </a:p>
           <a:p>
             <a:pPr lvl="0">
               <a:defRPr sz="1800"/>
             </a:pPr>
             <a:r>
-              <a:rPr sz="3600"/>
+              <a:rPr lang="en-US" sz="3000" dirty="0" err="1" smtClean="0"/>
+              <a:t>l</a:t>
+            </a:r>
+            <a:r>
+              <a:rPr lang="en-US" sz="3000" dirty="0" err="1" smtClean="0"/>
+              <a:t>ayout_weight</a:t>
+            </a:r>
+            <a:r>
+              <a:rPr lang="en-US" sz="3000" dirty="0" smtClean="0"/>
+              <a:t>: </a:t>
+            </a:r>
+            <a:r>
+              <a:rPr lang="zh-CN" altLang="en-US" sz="3000" dirty="0" smtClean="0"/>
+              <a:t>控制空间占</a:t>
+            </a:r>
+            <a:r>
+              <a:rPr lang="zh-CN" altLang="en-US" sz="3000" dirty="0" smtClean="0"/>
+              <a:t>比 </a:t>
+            </a:r>
+            <a:r>
+              <a:rPr lang="en-US" altLang="zh-CN" sz="3000" dirty="0" smtClean="0"/>
+              <a:t>http://mobile.51cto.com/abased-375428.htm</a:t>
+            </a:r>
+            <a:endParaRPr sz="5200" dirty="0"/>
+          </a:p>
+          <a:p>
+            <a:pPr lvl="0">
+              <a:defRPr sz="1800"/>
+            </a:pPr>
+            <a:r>
+              <a:rPr sz="3600" dirty="0"/>
               <a:t>orientation: horizontal/vertical</a:t>
             </a:r>
-            <a:endParaRPr sz="3600"/>
           </a:p>
           <a:p>
             <a:pPr lvl="0">
               <a:defRPr sz="1800"/>
             </a:pPr>
             <a:r>
-              <a:rPr sz="3600"/>
-              <a:t>padding: 类似于html</a:t>
-            </a:r>
+              <a:rPr sz="3600" dirty="0"/>
+              <a:t>padding: </a:t>
+            </a:r>
+            <a:r>
+              <a:rPr sz="3600" dirty="0" err="1"/>
+              <a:t>类似于html</a:t>
+            </a:r>
+            <a:endParaRPr sz="3600" dirty="0"/>
           </a:p>
         </p:txBody>
       </p:sp>
@@ -3673,12 +4134,19 @@
   <p:clrMapOvr>
     <a:masterClrMapping/>
   </p:clrMapOvr>
-  <p:transition spd="med" advClick="1"/>
+  <p:transition spd="med"/>
+  <p:timing>
+    <p:tnLst>
+      <p:par>
+        <p:cTn id="1" dur="indefinite" restart="never" nodeType="tmRoot"/>
+      </p:par>
+    </p:tnLst>
+  </p:timing>
 </p:sld>
 </file>
 
 <file path=ppt/slides/slide7.xml><?xml version="1.0" encoding="utf-8"?>
-<p:sld xmlns:a="http://schemas.openxmlformats.org/drawingml/2006/main" xmlns:r="http://schemas.openxmlformats.org/officeDocument/2006/relationships" xmlns:p="http://schemas.openxmlformats.org/presentationml/2006/main" showMasterSp="1" showMasterPhAnim="1">
+<p:sld xmlns:a="http://schemas.openxmlformats.org/drawingml/2006/main" xmlns:r="http://schemas.openxmlformats.org/officeDocument/2006/relationships" xmlns:p="http://schemas.openxmlformats.org/presentationml/2006/main">
   <p:cSld>
     <p:spTree>
       <p:nvGrpSpPr>
@@ -3697,7 +4165,9 @@
       <p:sp>
         <p:nvSpPr>
           <p:cNvPr id="50" name="Shape 50"/>
-          <p:cNvSpPr/>
+          <p:cNvSpPr>
+            <a:spLocks noGrp="1"/>
+          </p:cNvSpPr>
           <p:nvPr>
             <p:ph type="title"/>
           </p:nvPr>
@@ -3724,7 +4194,9 @@
       <p:sp>
         <p:nvSpPr>
           <p:cNvPr id="51" name="Shape 51"/>
-          <p:cNvSpPr/>
+          <p:cNvSpPr>
+            <a:spLocks noGrp="1"/>
+          </p:cNvSpPr>
           <p:nvPr>
             <p:ph type="body" idx="1"/>
           </p:nvPr>
@@ -3738,54 +4210,66 @@
           <a:bodyPr/>
           <a:lstStyle/>
           <a:p>
-            <a:pPr lvl="0" marL="400050" indent="-400050" defTabSz="525779">
+            <a:pPr marL="400050" lvl="0" indent="-400050" defTabSz="525779">
               <a:spcBef>
                 <a:spcPts val="3700"/>
               </a:spcBef>
               <a:defRPr sz="1800"/>
             </a:pPr>
             <a:r>
-              <a:rPr sz="3239"/>
+              <a:rPr sz="3239" dirty="0" err="1"/>
               <a:t>最常见的布局</a:t>
             </a:r>
-            <a:endParaRPr sz="3239"/>
-          </a:p>
-          <a:p>
-            <a:pPr lvl="0" marL="400050" indent="-400050" defTabSz="525779">
+            <a:endParaRPr sz="3239" dirty="0"/>
+          </a:p>
+          <a:p>
+            <a:pPr marL="400050" lvl="0" indent="-400050" defTabSz="525779">
               <a:spcBef>
                 <a:spcPts val="3700"/>
               </a:spcBef>
               <a:defRPr sz="1800"/>
             </a:pPr>
             <a:r>
-              <a:rPr sz="3239"/>
+              <a:rPr sz="3239" dirty="0" err="1"/>
               <a:t>线性布局</a:t>
             </a:r>
-            <a:endParaRPr sz="3239"/>
-          </a:p>
-          <a:p>
-            <a:pPr lvl="0" marL="400050" indent="-400050" defTabSz="525779">
+            <a:endParaRPr sz="3239" dirty="0"/>
+          </a:p>
+          <a:p>
+            <a:pPr marL="400050" lvl="0" indent="-400050" defTabSz="525779">
               <a:spcBef>
                 <a:spcPts val="3700"/>
               </a:spcBef>
               <a:defRPr sz="1800"/>
             </a:pPr>
             <a:r>
-              <a:rPr sz="3239"/>
-              <a:t>在LinearLayout中设置排列方式为水平时只有垂直方向的设置是有效的，水平方向的设置是无效的：即left，right，center_horizontal 是不生效的</a:t>
-            </a:r>
-            <a:endParaRPr sz="3239"/>
-          </a:p>
-          <a:p>
-            <a:pPr lvl="0" marL="400050" indent="-400050" defTabSz="525779">
+              <a:rPr sz="3239" dirty="0"/>
+              <a:t>在LinearLayout中设置排列方式为水平时只有垂直方向的设置是有效的，水平方向的设置是无效的：即left，right，center_horizontal </a:t>
+            </a:r>
+            <a:r>
+              <a:rPr sz="3239" dirty="0" err="1"/>
+              <a:t>是不生效的</a:t>
+            </a:r>
+            <a:endParaRPr sz="3239" dirty="0"/>
+          </a:p>
+          <a:p>
+            <a:pPr marL="400050" lvl="0" indent="-400050" defTabSz="525779">
               <a:spcBef>
                 <a:spcPts val="3700"/>
               </a:spcBef>
               <a:defRPr sz="1800"/>
             </a:pPr>
             <a:r>
-              <a:rPr sz="3239"/>
-              <a:t>在LinearLayout中设置排列方式为垂直时只有水平方向设置是有效的，垂直方向的设置是无效的是无效的：即top，bottom，center_vertical 是无效的；</a:t>
+              <a:rPr sz="3239" dirty="0"/>
+              <a:t>在LinearLayout中设置排列方式为垂直时只有水平方向设置是有效的，垂直方向的设置是无效的是无效的：即top，bottom，center_vertical </a:t>
+            </a:r>
+            <a:r>
+              <a:rPr sz="3239" dirty="0" err="1"/>
+              <a:t>是无效的</a:t>
+            </a:r>
+            <a:r>
+              <a:rPr sz="3239" dirty="0"/>
+              <a:t>；</a:t>
             </a:r>
           </a:p>
         </p:txBody>
@@ -3795,12 +4279,19 @@
   <p:clrMapOvr>
     <a:masterClrMapping/>
   </p:clrMapOvr>
-  <p:transition spd="med" advClick="1"/>
+  <p:transition spd="med"/>
+  <p:timing>
+    <p:tnLst>
+      <p:par>
+        <p:cTn id="1" dur="indefinite" restart="never" nodeType="tmRoot"/>
+      </p:par>
+    </p:tnLst>
+  </p:timing>
 </p:sld>
 </file>
 
 <file path=ppt/slides/slide8.xml><?xml version="1.0" encoding="utf-8"?>
-<p:sld xmlns:a="http://schemas.openxmlformats.org/drawingml/2006/main" xmlns:r="http://schemas.openxmlformats.org/officeDocument/2006/relationships" xmlns:p="http://schemas.openxmlformats.org/presentationml/2006/main" showMasterSp="1" showMasterPhAnim="1">
+<p:sld xmlns:a="http://schemas.openxmlformats.org/drawingml/2006/main" xmlns:r="http://schemas.openxmlformats.org/officeDocument/2006/relationships" xmlns:p="http://schemas.openxmlformats.org/presentationml/2006/main">
   <p:cSld>
     <p:spTree>
       <p:nvGrpSpPr>
@@ -3819,7 +4310,9 @@
       <p:sp>
         <p:nvSpPr>
           <p:cNvPr id="53" name="Shape 53"/>
-          <p:cNvSpPr/>
+          <p:cNvSpPr>
+            <a:spLocks noGrp="1"/>
+          </p:cNvSpPr>
           <p:nvPr>
             <p:ph type="title"/>
           </p:nvPr>
@@ -3846,7 +4339,9 @@
       <p:sp>
         <p:nvSpPr>
           <p:cNvPr id="54" name="Shape 54"/>
-          <p:cNvSpPr/>
+          <p:cNvSpPr>
+            <a:spLocks noGrp="1"/>
+          </p:cNvSpPr>
           <p:nvPr>
             <p:ph type="body" idx="1"/>
           </p:nvPr>
@@ -3861,6 +4356,7 @@
           <a:lstStyle/>
           <a:p>
             <a:pPr lvl="0"/>
+            <a:endParaRPr/>
           </a:p>
         </p:txBody>
       </p:sp>
@@ -3871,7 +4367,7 @@
           <p:nvPr/>
         </p:nvPicPr>
         <p:blipFill>
-          <a:blip r:embed="rId2">
+          <a:blip r:embed="rId2" cstate="print">
             <a:extLst/>
           </a:blip>
           <a:stretch>
@@ -3896,12 +4392,19 @@
   <p:clrMapOvr>
     <a:masterClrMapping/>
   </p:clrMapOvr>
-  <p:transition spd="med" advClick="1"/>
+  <p:transition spd="med"/>
+  <p:timing>
+    <p:tnLst>
+      <p:par>
+        <p:cTn id="1" dur="indefinite" restart="never" nodeType="tmRoot"/>
+      </p:par>
+    </p:tnLst>
+  </p:timing>
 </p:sld>
 </file>
 
 <file path=ppt/slides/slide9.xml><?xml version="1.0" encoding="utf-8"?>
-<p:sld xmlns:a="http://schemas.openxmlformats.org/drawingml/2006/main" xmlns:r="http://schemas.openxmlformats.org/officeDocument/2006/relationships" xmlns:p="http://schemas.openxmlformats.org/presentationml/2006/main" showMasterSp="1" showMasterPhAnim="1">
+<p:sld xmlns:a="http://schemas.openxmlformats.org/drawingml/2006/main" xmlns:r="http://schemas.openxmlformats.org/officeDocument/2006/relationships" xmlns:p="http://schemas.openxmlformats.org/presentationml/2006/main">
   <p:cSld>
     <p:spTree>
       <p:nvGrpSpPr>
@@ -3920,7 +4423,9 @@
       <p:sp>
         <p:nvSpPr>
           <p:cNvPr id="57" name="Shape 57"/>
-          <p:cNvSpPr/>
+          <p:cNvSpPr>
+            <a:spLocks noGrp="1"/>
+          </p:cNvSpPr>
           <p:nvPr>
             <p:ph type="title"/>
           </p:nvPr>
@@ -3947,7 +4452,9 @@
       <p:sp>
         <p:nvSpPr>
           <p:cNvPr id="58" name="Shape 58"/>
-          <p:cNvSpPr/>
+          <p:cNvSpPr>
+            <a:spLocks noGrp="1"/>
+          </p:cNvSpPr>
           <p:nvPr>
             <p:ph type="body" idx="1"/>
           </p:nvPr>
@@ -3968,7 +4475,6 @@
               <a:rPr sz="3600"/>
               <a:t>指定子控件的xy精确坐标的布局。绝对布局缺乏灵活性，在没有绝对定位的情况下相比其他类型的布局更难维护。</a:t>
             </a:r>
-            <a:endParaRPr sz="3600"/>
           </a:p>
           <a:p>
             <a:pPr lvl="0">
@@ -3978,7 +4484,6 @@
               <a:rPr sz="3600"/>
               <a:t>使用较少</a:t>
             </a:r>
-            <a:endParaRPr sz="3600"/>
           </a:p>
           <a:p>
             <a:pPr lvl="0">
@@ -3996,12 +4501,19 @@
   <p:clrMapOvr>
     <a:masterClrMapping/>
   </p:clrMapOvr>
-  <p:transition spd="med" advClick="1"/>
+  <p:transition spd="med"/>
+  <p:timing>
+    <p:tnLst>
+      <p:par>
+        <p:cTn id="1" dur="indefinite" restart="never" nodeType="tmRoot"/>
+      </p:par>
+    </p:tnLst>
+  </p:timing>
 </p:sld>
 </file>
 
 <file path=ppt/theme/theme1.xml><?xml version="1.0" encoding="utf-8"?>
-<a:theme xmlns:a="http://schemas.openxmlformats.org/drawingml/2006/main" xmlns:r="http://schemas.openxmlformats.org/officeDocument/2006/relationships" name="White">
+<a:theme xmlns:a="http://schemas.openxmlformats.org/drawingml/2006/main" name="White">
   <a:themeElements>
     <a:clrScheme name="White">
       <a:dk1>
@@ -4127,7 +4639,7 @@
       <a:effectStyleLst>
         <a:effectStyle>
           <a:effectLst>
-            <a:outerShdw sx="100000" sy="100000" kx="0" ky="0" algn="b" rotWithShape="0" blurRad="38100" dist="25400" dir="5400000">
+            <a:outerShdw blurRad="38100" dist="25400" dir="5400000" rotWithShape="0">
               <a:srgbClr val="000000">
                 <a:alpha val="50000"/>
               </a:srgbClr>
@@ -4136,7 +4648,7 @@
         </a:effectStyle>
         <a:effectStyle>
           <a:effectLst>
-            <a:outerShdw sx="100000" sy="100000" kx="0" ky="0" algn="b" rotWithShape="0" blurRad="50800" dist="12700" dir="0">
+            <a:outerShdw blurRad="50800" dist="12700" rotWithShape="0">
               <a:srgbClr val="000000">
                 <a:alpha val="50000"/>
               </a:srgbClr>
@@ -4145,7 +4657,7 @@
         </a:effectStyle>
         <a:effectStyle>
           <a:effectLst>
-            <a:outerShdw sx="100000" sy="100000" kx="0" ky="0" algn="b" rotWithShape="0" blurRad="38100" dist="25400" dir="5400000">
+            <a:outerShdw blurRad="38100" dist="25400" dir="5400000" rotWithShape="0">
               <a:srgbClr val="000000">
                 <a:alpha val="50000"/>
               </a:srgbClr>
@@ -4209,8 +4721,8 @@
     <a:spDef>
       <a:spPr>
         <a:blipFill rotWithShape="1">
-          <a:blip r:embed="rId1"/>
-          <a:srcRect l="0" t="0" r="0" b="0"/>
+          <a:blip xmlns:r="http://schemas.openxmlformats.org/officeDocument/2006/relationships" r:embed="rId1"/>
+          <a:srcRect/>
           <a:tile tx="0" ty="0" sx="100000" sy="100000" flip="none" algn="tl"/>
         </a:blipFill>
         <a:ln w="12700" cap="flat">
@@ -4218,14 +4730,14 @@
           <a:miter lim="400000"/>
         </a:ln>
         <a:effectLst>
-          <a:outerShdw sx="100000" sy="100000" kx="0" ky="0" algn="b" rotWithShape="0" blurRad="38100" dist="25400" dir="5400000">
+          <a:outerShdw blurRad="38100" dist="25400" dir="5400000" rotWithShape="0">
             <a:srgbClr val="000000">
               <a:alpha val="50000"/>
             </a:srgbClr>
           </a:outerShdw>
         </a:effectLst>
       </a:spPr>
-      <a:bodyPr rot="0" spcFirstLastPara="1" vertOverflow="overflow" horzOverflow="overflow" vert="horz" wrap="square" lIns="50800" tIns="50800" rIns="50800" bIns="50800" numCol="1" spcCol="38100" rtlCol="0" anchor="ctr" upright="0">
+      <a:bodyPr rot="0" spcFirstLastPara="1" vertOverflow="overflow" horzOverflow="overflow" vert="horz" wrap="square" lIns="50800" tIns="50800" rIns="50800" bIns="50800" numCol="1" spcCol="38100" rtlCol="0" anchor="ctr">
         <a:spAutoFit/>
       </a:bodyPr>
       <a:lstStyle>
@@ -4244,7 +4756,7 @@
           <a:buFontTx/>
           <a:buNone/>
           <a:tabLst/>
-          <a:defRPr b="0" baseline="0" cap="none" i="0" spc="0" strike="noStrike" sz="2400" u="none" kumimoji="0" normalizeH="0">
+          <a:defRPr kumimoji="0" sz="2400" b="0" i="0" u="none" strike="noStrike" cap="none" spc="0" normalizeH="0" baseline="0">
             <a:ln>
               <a:noFill/>
             </a:ln>
@@ -4274,7 +4786,7 @@
           <a:buFontTx/>
           <a:buNone/>
           <a:tabLst/>
-          <a:defRPr b="0" baseline="0" cap="none" i="0" spc="0" strike="noStrike" sz="1800" u="none" kumimoji="0" normalizeH="0">
+          <a:defRPr kumimoji="0" sz="1800" b="0" i="0" u="none" strike="noStrike" cap="none" spc="0" normalizeH="0" baseline="0">
             <a:ln>
               <a:noFill/>
             </a:ln>
@@ -4300,7 +4812,7 @@
           <a:buFontTx/>
           <a:buNone/>
           <a:tabLst/>
-          <a:defRPr b="0" baseline="0" cap="none" i="0" spc="0" strike="noStrike" sz="1800" u="none" kumimoji="0" normalizeH="0">
+          <a:defRPr kumimoji="0" sz="1800" b="0" i="0" u="none" strike="noStrike" cap="none" spc="0" normalizeH="0" baseline="0">
             <a:ln>
               <a:noFill/>
             </a:ln>
@@ -4326,7 +4838,7 @@
           <a:buFontTx/>
           <a:buNone/>
           <a:tabLst/>
-          <a:defRPr b="0" baseline="0" cap="none" i="0" spc="0" strike="noStrike" sz="1800" u="none" kumimoji="0" normalizeH="0">
+          <a:defRPr kumimoji="0" sz="1800" b="0" i="0" u="none" strike="noStrike" cap="none" spc="0" normalizeH="0" baseline="0">
             <a:ln>
               <a:noFill/>
             </a:ln>
@@ -4352,7 +4864,7 @@
           <a:buFontTx/>
           <a:buNone/>
           <a:tabLst/>
-          <a:defRPr b="0" baseline="0" cap="none" i="0" spc="0" strike="noStrike" sz="1800" u="none" kumimoji="0" normalizeH="0">
+          <a:defRPr kumimoji="0" sz="1800" b="0" i="0" u="none" strike="noStrike" cap="none" spc="0" normalizeH="0" baseline="0">
             <a:ln>
               <a:noFill/>
             </a:ln>
@@ -4378,7 +4890,7 @@
           <a:buFontTx/>
           <a:buNone/>
           <a:tabLst/>
-          <a:defRPr b="0" baseline="0" cap="none" i="0" spc="0" strike="noStrike" sz="1800" u="none" kumimoji="0" normalizeH="0">
+          <a:defRPr kumimoji="0" sz="1800" b="0" i="0" u="none" strike="noStrike" cap="none" spc="0" normalizeH="0" baseline="0">
             <a:ln>
               <a:noFill/>
             </a:ln>
@@ -4404,7 +4916,7 @@
           <a:buFontTx/>
           <a:buNone/>
           <a:tabLst/>
-          <a:defRPr b="0" baseline="0" cap="none" i="0" spc="0" strike="noStrike" sz="1800" u="none" kumimoji="0" normalizeH="0">
+          <a:defRPr kumimoji="0" sz="1800" b="0" i="0" u="none" strike="noStrike" cap="none" spc="0" normalizeH="0" baseline="0">
             <a:ln>
               <a:noFill/>
             </a:ln>
@@ -4430,7 +4942,7 @@
           <a:buFontTx/>
           <a:buNone/>
           <a:tabLst/>
-          <a:defRPr b="0" baseline="0" cap="none" i="0" spc="0" strike="noStrike" sz="1800" u="none" kumimoji="0" normalizeH="0">
+          <a:defRPr kumimoji="0" sz="1800" b="0" i="0" u="none" strike="noStrike" cap="none" spc="0" normalizeH="0" baseline="0">
             <a:ln>
               <a:noFill/>
             </a:ln>
@@ -4456,7 +4968,7 @@
           <a:buFontTx/>
           <a:buNone/>
           <a:tabLst/>
-          <a:defRPr b="0" baseline="0" cap="none" i="0" spc="0" strike="noStrike" sz="1800" u="none" kumimoji="0" normalizeH="0">
+          <a:defRPr kumimoji="0" sz="1800" b="0" i="0" u="none" strike="noStrike" cap="none" spc="0" normalizeH="0" baseline="0">
             <a:ln>
               <a:noFill/>
             </a:ln>
@@ -4482,7 +4994,7 @@
           <a:buFontTx/>
           <a:buNone/>
           <a:tabLst/>
-          <a:defRPr b="0" baseline="0" cap="none" i="0" spc="0" strike="noStrike" sz="1800" u="none" kumimoji="0" normalizeH="0">
+          <a:defRPr kumimoji="0" sz="1800" b="0" i="0" u="none" strike="noStrike" cap="none" spc="0" normalizeH="0" baseline="0">
             <a:ln>
               <a:noFill/>
             </a:ln>
@@ -4495,9 +5007,15 @@
         </a:lvl9pPr>
       </a:lstStyle>
       <a:style>
-        <a:lnRef idx="0"/>
-        <a:fillRef idx="0"/>
-        <a:effectRef idx="0"/>
+        <a:lnRef idx="0">
+          <a:scrgbClr r="0" g="0" b="0"/>
+        </a:lnRef>
+        <a:fillRef idx="0">
+          <a:scrgbClr r="0" g="0" b="0"/>
+        </a:fillRef>
+        <a:effectRef idx="0">
+          <a:scrgbClr r="0" g="0" b="0"/>
+        </a:effectRef>
         <a:fontRef idx="none"/>
       </a:style>
     </a:spDef>
@@ -4513,7 +5031,7 @@
         </a:ln>
         <a:effectLst/>
       </a:spPr>
-      <a:bodyPr rot="0" spcFirstLastPara="1" vertOverflow="overflow" horzOverflow="overflow" vert="horz" wrap="square" lIns="91439" tIns="45719" rIns="91439" bIns="45719" numCol="1" spcCol="38100" rtlCol="0" anchor="t" upright="0">
+      <a:bodyPr rot="0" spcFirstLastPara="1" vertOverflow="overflow" horzOverflow="overflow" vert="horz" wrap="square" lIns="91439" tIns="45719" rIns="91439" bIns="45719" numCol="1" spcCol="38100" rtlCol="0" anchor="t">
         <a:noAutofit/>
       </a:bodyPr>
       <a:lstStyle>
@@ -4532,7 +5050,7 @@
           <a:buFontTx/>
           <a:buNone/>
           <a:tabLst/>
-          <a:defRPr b="0" baseline="0" cap="none" i="0" spc="0" strike="noStrike" sz="1800" u="none" kumimoji="0" normalizeH="0">
+          <a:defRPr kumimoji="0" sz="1800" b="0" i="0" u="none" strike="noStrike" cap="none" spc="0" normalizeH="0" baseline="0">
             <a:ln>
               <a:noFill/>
             </a:ln>
@@ -4558,7 +5076,7 @@
           <a:buFontTx/>
           <a:buNone/>
           <a:tabLst/>
-          <a:defRPr b="0" baseline="0" cap="none" i="0" spc="0" strike="noStrike" sz="1800" u="none" kumimoji="0" normalizeH="0">
+          <a:defRPr kumimoji="0" sz="1800" b="0" i="0" u="none" strike="noStrike" cap="none" spc="0" normalizeH="0" baseline="0">
             <a:ln>
               <a:noFill/>
             </a:ln>
@@ -4584,7 +5102,7 @@
           <a:buFontTx/>
           <a:buNone/>
           <a:tabLst/>
-          <a:defRPr b="0" baseline="0" cap="none" i="0" spc="0" strike="noStrike" sz="1800" u="none" kumimoji="0" normalizeH="0">
+          <a:defRPr kumimoji="0" sz="1800" b="0" i="0" u="none" strike="noStrike" cap="none" spc="0" normalizeH="0" baseline="0">
             <a:ln>
               <a:noFill/>
             </a:ln>
@@ -4610,7 +5128,7 @@
           <a:buFontTx/>
           <a:buNone/>
           <a:tabLst/>
-          <a:defRPr b="0" baseline="0" cap="none" i="0" spc="0" strike="noStrike" sz="1800" u="none" kumimoji="0" normalizeH="0">
+          <a:defRPr kumimoji="0" sz="1800" b="0" i="0" u="none" strike="noStrike" cap="none" spc="0" normalizeH="0" baseline="0">
             <a:ln>
               <a:noFill/>
             </a:ln>
@@ -4636,7 +5154,7 @@
           <a:buFontTx/>
           <a:buNone/>
           <a:tabLst/>
-          <a:defRPr b="0" baseline="0" cap="none" i="0" spc="0" strike="noStrike" sz="1800" u="none" kumimoji="0" normalizeH="0">
+          <a:defRPr kumimoji="0" sz="1800" b="0" i="0" u="none" strike="noStrike" cap="none" spc="0" normalizeH="0" baseline="0">
             <a:ln>
               <a:noFill/>
             </a:ln>
@@ -4662,7 +5180,7 @@
           <a:buFontTx/>
           <a:buNone/>
           <a:tabLst/>
-          <a:defRPr b="0" baseline="0" cap="none" i="0" spc="0" strike="noStrike" sz="1800" u="none" kumimoji="0" normalizeH="0">
+          <a:defRPr kumimoji="0" sz="1800" b="0" i="0" u="none" strike="noStrike" cap="none" spc="0" normalizeH="0" baseline="0">
             <a:ln>
               <a:noFill/>
             </a:ln>
@@ -4688,7 +5206,7 @@
           <a:buFontTx/>
           <a:buNone/>
           <a:tabLst/>
-          <a:defRPr b="0" baseline="0" cap="none" i="0" spc="0" strike="noStrike" sz="1800" u="none" kumimoji="0" normalizeH="0">
+          <a:defRPr kumimoji="0" sz="1800" b="0" i="0" u="none" strike="noStrike" cap="none" spc="0" normalizeH="0" baseline="0">
             <a:ln>
               <a:noFill/>
             </a:ln>
@@ -4714,7 +5232,7 @@
           <a:buFontTx/>
           <a:buNone/>
           <a:tabLst/>
-          <a:defRPr b="0" baseline="0" cap="none" i="0" spc="0" strike="noStrike" sz="1800" u="none" kumimoji="0" normalizeH="0">
+          <a:defRPr kumimoji="0" sz="1800" b="0" i="0" u="none" strike="noStrike" cap="none" spc="0" normalizeH="0" baseline="0">
             <a:ln>
               <a:noFill/>
             </a:ln>
@@ -4740,7 +5258,7 @@
           <a:buFontTx/>
           <a:buNone/>
           <a:tabLst/>
-          <a:defRPr b="0" baseline="0" cap="none" i="0" spc="0" strike="noStrike" sz="1800" u="none" kumimoji="0" normalizeH="0">
+          <a:defRPr kumimoji="0" sz="1800" b="0" i="0" u="none" strike="noStrike" cap="none" spc="0" normalizeH="0" baseline="0">
             <a:ln>
               <a:noFill/>
             </a:ln>
@@ -4766,7 +5284,7 @@
           <a:buFontTx/>
           <a:buNone/>
           <a:tabLst/>
-          <a:defRPr b="0" baseline="0" cap="none" i="0" spc="0" strike="noStrike" sz="1800" u="none" kumimoji="0" normalizeH="0">
+          <a:defRPr kumimoji="0" sz="1800" b="0" i="0" u="none" strike="noStrike" cap="none" spc="0" normalizeH="0" baseline="0">
             <a:ln>
               <a:noFill/>
             </a:ln>
@@ -4779,9 +5297,15 @@
         </a:lvl9pPr>
       </a:lstStyle>
       <a:style>
-        <a:lnRef idx="0"/>
-        <a:fillRef idx="0"/>
-        <a:effectRef idx="0"/>
+        <a:lnRef idx="0">
+          <a:scrgbClr r="0" g="0" b="0"/>
+        </a:lnRef>
+        <a:fillRef idx="0">
+          <a:scrgbClr r="0" g="0" b="0"/>
+        </a:fillRef>
+        <a:effectRef idx="0">
+          <a:scrgbClr r="0" g="0" b="0"/>
+        </a:effectRef>
         <a:fontRef idx="none"/>
       </a:style>
     </a:lnDef>
@@ -4794,7 +5318,7 @@
         </a:ln>
         <a:effectLst/>
       </a:spPr>
-      <a:bodyPr rot="0" spcFirstLastPara="1" vertOverflow="overflow" horzOverflow="overflow" vert="horz" wrap="square" lIns="50800" tIns="50800" rIns="50800" bIns="50800" numCol="1" spcCol="38100" rtlCol="0" anchor="ctr" upright="0">
+      <a:bodyPr rot="0" spcFirstLastPara="1" vertOverflow="overflow" horzOverflow="overflow" vert="horz" wrap="square" lIns="50800" tIns="50800" rIns="50800" bIns="50800" numCol="1" spcCol="38100" rtlCol="0" anchor="ctr">
         <a:spAutoFit/>
       </a:bodyPr>
       <a:lstStyle>
@@ -4813,7 +5337,7 @@
           <a:buFontTx/>
           <a:buNone/>
           <a:tabLst/>
-          <a:defRPr b="0" baseline="0" cap="none" i="0" spc="0" strike="noStrike" sz="3600" u="none" kumimoji="0" normalizeH="0">
+          <a:defRPr kumimoji="0" sz="3600" b="0" i="0" u="none" strike="noStrike" cap="none" spc="0" normalizeH="0" baseline="0">
             <a:ln>
               <a:noFill/>
             </a:ln>
@@ -4843,7 +5367,7 @@
           <a:buFontTx/>
           <a:buNone/>
           <a:tabLst/>
-          <a:defRPr b="0" baseline="0" cap="none" i="0" spc="0" strike="noStrike" sz="1800" u="none" kumimoji="0" normalizeH="0">
+          <a:defRPr kumimoji="0" sz="1800" b="0" i="0" u="none" strike="noStrike" cap="none" spc="0" normalizeH="0" baseline="0">
             <a:ln>
               <a:noFill/>
             </a:ln>
@@ -4869,7 +5393,7 @@
           <a:buFontTx/>
           <a:buNone/>
           <a:tabLst/>
-          <a:defRPr b="0" baseline="0" cap="none" i="0" spc="0" strike="noStrike" sz="1800" u="none" kumimoji="0" normalizeH="0">
+          <a:defRPr kumimoji="0" sz="1800" b="0" i="0" u="none" strike="noStrike" cap="none" spc="0" normalizeH="0" baseline="0">
             <a:ln>
               <a:noFill/>
             </a:ln>
@@ -4895,7 +5419,7 @@
           <a:buFontTx/>
           <a:buNone/>
           <a:tabLst/>
-          <a:defRPr b="0" baseline="0" cap="none" i="0" spc="0" strike="noStrike" sz="1800" u="none" kumimoji="0" normalizeH="0">
+          <a:defRPr kumimoji="0" sz="1800" b="0" i="0" u="none" strike="noStrike" cap="none" spc="0" normalizeH="0" baseline="0">
             <a:ln>
               <a:noFill/>
             </a:ln>
@@ -4921,7 +5445,7 @@
           <a:buFontTx/>
           <a:buNone/>
           <a:tabLst/>
-          <a:defRPr b="0" baseline="0" cap="none" i="0" spc="0" strike="noStrike" sz="1800" u="none" kumimoji="0" normalizeH="0">
+          <a:defRPr kumimoji="0" sz="1800" b="0" i="0" u="none" strike="noStrike" cap="none" spc="0" normalizeH="0" baseline="0">
             <a:ln>
               <a:noFill/>
             </a:ln>
@@ -4947,7 +5471,7 @@
           <a:buFontTx/>
           <a:buNone/>
           <a:tabLst/>
-          <a:defRPr b="0" baseline="0" cap="none" i="0" spc="0" strike="noStrike" sz="1800" u="none" kumimoji="0" normalizeH="0">
+          <a:defRPr kumimoji="0" sz="1800" b="0" i="0" u="none" strike="noStrike" cap="none" spc="0" normalizeH="0" baseline="0">
             <a:ln>
               <a:noFill/>
             </a:ln>
@@ -4973,7 +5497,7 @@
           <a:buFontTx/>
           <a:buNone/>
           <a:tabLst/>
-          <a:defRPr b="0" baseline="0" cap="none" i="0" spc="0" strike="noStrike" sz="1800" u="none" kumimoji="0" normalizeH="0">
+          <a:defRPr kumimoji="0" sz="1800" b="0" i="0" u="none" strike="noStrike" cap="none" spc="0" normalizeH="0" baseline="0">
             <a:ln>
               <a:noFill/>
             </a:ln>
@@ -4999,7 +5523,7 @@
           <a:buFontTx/>
           <a:buNone/>
           <a:tabLst/>
-          <a:defRPr b="0" baseline="0" cap="none" i="0" spc="0" strike="noStrike" sz="1800" u="none" kumimoji="0" normalizeH="0">
+          <a:defRPr kumimoji="0" sz="1800" b="0" i="0" u="none" strike="noStrike" cap="none" spc="0" normalizeH="0" baseline="0">
             <a:ln>
               <a:noFill/>
             </a:ln>
@@ -5025,7 +5549,7 @@
           <a:buFontTx/>
           <a:buNone/>
           <a:tabLst/>
-          <a:defRPr b="0" baseline="0" cap="none" i="0" spc="0" strike="noStrike" sz="1800" u="none" kumimoji="0" normalizeH="0">
+          <a:defRPr kumimoji="0" sz="1800" b="0" i="0" u="none" strike="noStrike" cap="none" spc="0" normalizeH="0" baseline="0">
             <a:ln>
               <a:noFill/>
             </a:ln>
@@ -5051,7 +5575,7 @@
           <a:buFontTx/>
           <a:buNone/>
           <a:tabLst/>
-          <a:defRPr b="0" baseline="0" cap="none" i="0" spc="0" strike="noStrike" sz="1800" u="none" kumimoji="0" normalizeH="0">
+          <a:defRPr kumimoji="0" sz="1800" b="0" i="0" u="none" strike="noStrike" cap="none" spc="0" normalizeH="0" baseline="0">
             <a:ln>
               <a:noFill/>
             </a:ln>
@@ -5064,18 +5588,25 @@
         </a:lvl9pPr>
       </a:lstStyle>
       <a:style>
-        <a:lnRef idx="0"/>
-        <a:fillRef idx="0"/>
-        <a:effectRef idx="0"/>
+        <a:lnRef idx="0">
+          <a:scrgbClr r="0" g="0" b="0"/>
+        </a:lnRef>
+        <a:fillRef idx="0">
+          <a:scrgbClr r="0" g="0" b="0"/>
+        </a:fillRef>
+        <a:effectRef idx="0">
+          <a:scrgbClr r="0" g="0" b="0"/>
+        </a:effectRef>
         <a:fontRef idx="none"/>
       </a:style>
     </a:txDef>
   </a:objectDefaults>
+  <a:extraClrSchemeLst/>
 </a:theme>
 </file>
 
 <file path=ppt/theme/theme2.xml><?xml version="1.0" encoding="utf-8"?>
-<a:theme xmlns:a="http://schemas.openxmlformats.org/drawingml/2006/main" xmlns:r="http://schemas.openxmlformats.org/officeDocument/2006/relationships" name="White">
+<a:theme xmlns:a="http://schemas.openxmlformats.org/drawingml/2006/main" name="White">
   <a:themeElements>
     <a:clrScheme name="White">
       <a:dk1>
@@ -5201,7 +5732,7 @@
       <a:effectStyleLst>
         <a:effectStyle>
           <a:effectLst>
-            <a:outerShdw sx="100000" sy="100000" kx="0" ky="0" algn="b" rotWithShape="0" blurRad="38100" dist="25400" dir="5400000">
+            <a:outerShdw blurRad="38100" dist="25400" dir="5400000" rotWithShape="0">
               <a:srgbClr val="000000">
                 <a:alpha val="50000"/>
               </a:srgbClr>
@@ -5210,7 +5741,7 @@
         </a:effectStyle>
         <a:effectStyle>
           <a:effectLst>
-            <a:outerShdw sx="100000" sy="100000" kx="0" ky="0" algn="b" rotWithShape="0" blurRad="50800" dist="12700" dir="0">
+            <a:outerShdw blurRad="50800" dist="12700" rotWithShape="0">
               <a:srgbClr val="000000">
                 <a:alpha val="50000"/>
               </a:srgbClr>
@@ -5219,7 +5750,7 @@
         </a:effectStyle>
         <a:effectStyle>
           <a:effectLst>
-            <a:outerShdw sx="100000" sy="100000" kx="0" ky="0" algn="b" rotWithShape="0" blurRad="38100" dist="25400" dir="5400000">
+            <a:outerShdw blurRad="38100" dist="25400" dir="5400000" rotWithShape="0">
               <a:srgbClr val="000000">
                 <a:alpha val="50000"/>
               </a:srgbClr>
@@ -5283,8 +5814,8 @@
     <a:spDef>
       <a:spPr>
         <a:blipFill rotWithShape="1">
-          <a:blip r:embed="rId1"/>
-          <a:srcRect l="0" t="0" r="0" b="0"/>
+          <a:blip xmlns:r="http://schemas.openxmlformats.org/officeDocument/2006/relationships" r:embed="rId1"/>
+          <a:srcRect/>
           <a:tile tx="0" ty="0" sx="100000" sy="100000" flip="none" algn="tl"/>
         </a:blipFill>
         <a:ln w="12700" cap="flat">
@@ -5292,14 +5823,14 @@
           <a:miter lim="400000"/>
         </a:ln>
         <a:effectLst>
-          <a:outerShdw sx="100000" sy="100000" kx="0" ky="0" algn="b" rotWithShape="0" blurRad="38100" dist="25400" dir="5400000">
+          <a:outerShdw blurRad="38100" dist="25400" dir="5400000" rotWithShape="0">
             <a:srgbClr val="000000">
               <a:alpha val="50000"/>
             </a:srgbClr>
           </a:outerShdw>
         </a:effectLst>
       </a:spPr>
-      <a:bodyPr rot="0" spcFirstLastPara="1" vertOverflow="overflow" horzOverflow="overflow" vert="horz" wrap="square" lIns="50800" tIns="50800" rIns="50800" bIns="50800" numCol="1" spcCol="38100" rtlCol="0" anchor="ctr" upright="0">
+      <a:bodyPr rot="0" spcFirstLastPara="1" vertOverflow="overflow" horzOverflow="overflow" vert="horz" wrap="square" lIns="50800" tIns="50800" rIns="50800" bIns="50800" numCol="1" spcCol="38100" rtlCol="0" anchor="ctr">
         <a:spAutoFit/>
       </a:bodyPr>
       <a:lstStyle>
@@ -5318,7 +5849,7 @@
           <a:buFontTx/>
           <a:buNone/>
           <a:tabLst/>
-          <a:defRPr b="0" baseline="0" cap="none" i="0" spc="0" strike="noStrike" sz="2400" u="none" kumimoji="0" normalizeH="0">
+          <a:defRPr kumimoji="0" sz="2400" b="0" i="0" u="none" strike="noStrike" cap="none" spc="0" normalizeH="0" baseline="0">
             <a:ln>
               <a:noFill/>
             </a:ln>
@@ -5348,7 +5879,7 @@
           <a:buFontTx/>
           <a:buNone/>
           <a:tabLst/>
-          <a:defRPr b="0" baseline="0" cap="none" i="0" spc="0" strike="noStrike" sz="1800" u="none" kumimoji="0" normalizeH="0">
+          <a:defRPr kumimoji="0" sz="1800" b="0" i="0" u="none" strike="noStrike" cap="none" spc="0" normalizeH="0" baseline="0">
             <a:ln>
               <a:noFill/>
             </a:ln>
@@ -5374,7 +5905,7 @@
           <a:buFontTx/>
           <a:buNone/>
           <a:tabLst/>
-          <a:defRPr b="0" baseline="0" cap="none" i="0" spc="0" strike="noStrike" sz="1800" u="none" kumimoji="0" normalizeH="0">
+          <a:defRPr kumimoji="0" sz="1800" b="0" i="0" u="none" strike="noStrike" cap="none" spc="0" normalizeH="0" baseline="0">
             <a:ln>
               <a:noFill/>
             </a:ln>
@@ -5400,7 +5931,7 @@
           <a:buFontTx/>
           <a:buNone/>
           <a:tabLst/>
-          <a:defRPr b="0" baseline="0" cap="none" i="0" spc="0" strike="noStrike" sz="1800" u="none" kumimoji="0" normalizeH="0">
+          <a:defRPr kumimoji="0" sz="1800" b="0" i="0" u="none" strike="noStrike" cap="none" spc="0" normalizeH="0" baseline="0">
             <a:ln>
               <a:noFill/>
             </a:ln>
@@ -5426,7 +5957,7 @@
           <a:buFontTx/>
           <a:buNone/>
           <a:tabLst/>
-          <a:defRPr b="0" baseline="0" cap="none" i="0" spc="0" strike="noStrike" sz="1800" u="none" kumimoji="0" normalizeH="0">
+          <a:defRPr kumimoji="0" sz="1800" b="0" i="0" u="none" strike="noStrike" cap="none" spc="0" normalizeH="0" baseline="0">
             <a:ln>
               <a:noFill/>
             </a:ln>
@@ -5452,7 +5983,7 @@
           <a:buFontTx/>
           <a:buNone/>
           <a:tabLst/>
-          <a:defRPr b="0" baseline="0" cap="none" i="0" spc="0" strike="noStrike" sz="1800" u="none" kumimoji="0" normalizeH="0">
+          <a:defRPr kumimoji="0" sz="1800" b="0" i="0" u="none" strike="noStrike" cap="none" spc="0" normalizeH="0" baseline="0">
             <a:ln>
               <a:noFill/>
             </a:ln>
@@ -5478,7 +6009,7 @@
           <a:buFontTx/>
           <a:buNone/>
           <a:tabLst/>
-          <a:defRPr b="0" baseline="0" cap="none" i="0" spc="0" strike="noStrike" sz="1800" u="none" kumimoji="0" normalizeH="0">
+          <a:defRPr kumimoji="0" sz="1800" b="0" i="0" u="none" strike="noStrike" cap="none" spc="0" normalizeH="0" baseline="0">
             <a:ln>
               <a:noFill/>
             </a:ln>
@@ -5504,7 +6035,7 @@
           <a:buFontTx/>
           <a:buNone/>
           <a:tabLst/>
-          <a:defRPr b="0" baseline="0" cap="none" i="0" spc="0" strike="noStrike" sz="1800" u="none" kumimoji="0" normalizeH="0">
+          <a:defRPr kumimoji="0" sz="1800" b="0" i="0" u="none" strike="noStrike" cap="none" spc="0" normalizeH="0" baseline="0">
             <a:ln>
               <a:noFill/>
             </a:ln>
@@ -5530,7 +6061,7 @@
           <a:buFontTx/>
           <a:buNone/>
           <a:tabLst/>
-          <a:defRPr b="0" baseline="0" cap="none" i="0" spc="0" strike="noStrike" sz="1800" u="none" kumimoji="0" normalizeH="0">
+          <a:defRPr kumimoji="0" sz="1800" b="0" i="0" u="none" strike="noStrike" cap="none" spc="0" normalizeH="0" baseline="0">
             <a:ln>
               <a:noFill/>
             </a:ln>
@@ -5556,7 +6087,7 @@
           <a:buFontTx/>
           <a:buNone/>
           <a:tabLst/>
-          <a:defRPr b="0" baseline="0" cap="none" i="0" spc="0" strike="noStrike" sz="1800" u="none" kumimoji="0" normalizeH="0">
+          <a:defRPr kumimoji="0" sz="1800" b="0" i="0" u="none" strike="noStrike" cap="none" spc="0" normalizeH="0" baseline="0">
             <a:ln>
               <a:noFill/>
             </a:ln>
@@ -5569,9 +6100,15 @@
         </a:lvl9pPr>
       </a:lstStyle>
       <a:style>
-        <a:lnRef idx="0"/>
-        <a:fillRef idx="0"/>
-        <a:effectRef idx="0"/>
+        <a:lnRef idx="0">
+          <a:scrgbClr r="0" g="0" b="0"/>
+        </a:lnRef>
+        <a:fillRef idx="0">
+          <a:scrgbClr r="0" g="0" b="0"/>
+        </a:fillRef>
+        <a:effectRef idx="0">
+          <a:scrgbClr r="0" g="0" b="0"/>
+        </a:effectRef>
         <a:fontRef idx="none"/>
       </a:style>
     </a:spDef>
@@ -5587,7 +6124,7 @@
         </a:ln>
         <a:effectLst/>
       </a:spPr>
-      <a:bodyPr rot="0" spcFirstLastPara="1" vertOverflow="overflow" horzOverflow="overflow" vert="horz" wrap="square" lIns="91439" tIns="45719" rIns="91439" bIns="45719" numCol="1" spcCol="38100" rtlCol="0" anchor="t" upright="0">
+      <a:bodyPr rot="0" spcFirstLastPara="1" vertOverflow="overflow" horzOverflow="overflow" vert="horz" wrap="square" lIns="91439" tIns="45719" rIns="91439" bIns="45719" numCol="1" spcCol="38100" rtlCol="0" anchor="t">
         <a:noAutofit/>
       </a:bodyPr>
       <a:lstStyle>
@@ -5606,7 +6143,7 @@
           <a:buFontTx/>
           <a:buNone/>
           <a:tabLst/>
-          <a:defRPr b="0" baseline="0" cap="none" i="0" spc="0" strike="noStrike" sz="1800" u="none" kumimoji="0" normalizeH="0">
+          <a:defRPr kumimoji="0" sz="1800" b="0" i="0" u="none" strike="noStrike" cap="none" spc="0" normalizeH="0" baseline="0">
             <a:ln>
               <a:noFill/>
             </a:ln>
@@ -5632,7 +6169,7 @@
           <a:buFontTx/>
           <a:buNone/>
           <a:tabLst/>
-          <a:defRPr b="0" baseline="0" cap="none" i="0" spc="0" strike="noStrike" sz="1800" u="none" kumimoji="0" normalizeH="0">
+          <a:defRPr kumimoji="0" sz="1800" b="0" i="0" u="none" strike="noStrike" cap="none" spc="0" normalizeH="0" baseline="0">
             <a:ln>
               <a:noFill/>
             </a:ln>
@@ -5658,7 +6195,7 @@
           <a:buFontTx/>
           <a:buNone/>
           <a:tabLst/>
-          <a:defRPr b="0" baseline="0" cap="none" i="0" spc="0" strike="noStrike" sz="1800" u="none" kumimoji="0" normalizeH="0">
+          <a:defRPr kumimoji="0" sz="1800" b="0" i="0" u="none" strike="noStrike" cap="none" spc="0" normalizeH="0" baseline="0">
             <a:ln>
               <a:noFill/>
             </a:ln>
@@ -5684,7 +6221,7 @@
           <a:buFontTx/>
           <a:buNone/>
           <a:tabLst/>
-          <a:defRPr b="0" baseline="0" cap="none" i="0" spc="0" strike="noStrike" sz="1800" u="none" kumimoji="0" normalizeH="0">
+          <a:defRPr kumimoji="0" sz="1800" b="0" i="0" u="none" strike="noStrike" cap="none" spc="0" normalizeH="0" baseline="0">
             <a:ln>
               <a:noFill/>
             </a:ln>
@@ -5710,7 +6247,7 @@
           <a:buFontTx/>
           <a:buNone/>
           <a:tabLst/>
-          <a:defRPr b="0" baseline="0" cap="none" i="0" spc="0" strike="noStrike" sz="1800" u="none" kumimoji="0" normalizeH="0">
+          <a:defRPr kumimoji="0" sz="1800" b="0" i="0" u="none" strike="noStrike" cap="none" spc="0" normalizeH="0" baseline="0">
             <a:ln>
               <a:noFill/>
             </a:ln>
@@ -5736,7 +6273,7 @@
           <a:buFontTx/>
           <a:buNone/>
           <a:tabLst/>
-          <a:defRPr b="0" baseline="0" cap="none" i="0" spc="0" strike="noStrike" sz="1800" u="none" kumimoji="0" normalizeH="0">
+          <a:defRPr kumimoji="0" sz="1800" b="0" i="0" u="none" strike="noStrike" cap="none" spc="0" normalizeH="0" baseline="0">
             <a:ln>
               <a:noFill/>
             </a:ln>
@@ -5762,7 +6299,7 @@
           <a:buFontTx/>
           <a:buNone/>
           <a:tabLst/>
-          <a:defRPr b="0" baseline="0" cap="none" i="0" spc="0" strike="noStrike" sz="1800" u="none" kumimoji="0" normalizeH="0">
+          <a:defRPr kumimoji="0" sz="1800" b="0" i="0" u="none" strike="noStrike" cap="none" spc="0" normalizeH="0" baseline="0">
             <a:ln>
               <a:noFill/>
             </a:ln>
@@ -5788,7 +6325,7 @@
           <a:buFontTx/>
           <a:buNone/>
           <a:tabLst/>
-          <a:defRPr b="0" baseline="0" cap="none" i="0" spc="0" strike="noStrike" sz="1800" u="none" kumimoji="0" normalizeH="0">
+          <a:defRPr kumimoji="0" sz="1800" b="0" i="0" u="none" strike="noStrike" cap="none" spc="0" normalizeH="0" baseline="0">
             <a:ln>
               <a:noFill/>
             </a:ln>
@@ -5814,7 +6351,7 @@
           <a:buFontTx/>
           <a:buNone/>
           <a:tabLst/>
-          <a:defRPr b="0" baseline="0" cap="none" i="0" spc="0" strike="noStrike" sz="1800" u="none" kumimoji="0" normalizeH="0">
+          <a:defRPr kumimoji="0" sz="1800" b="0" i="0" u="none" strike="noStrike" cap="none" spc="0" normalizeH="0" baseline="0">
             <a:ln>
               <a:noFill/>
             </a:ln>
@@ -5840,7 +6377,7 @@
           <a:buFontTx/>
           <a:buNone/>
           <a:tabLst/>
-          <a:defRPr b="0" baseline="0" cap="none" i="0" spc="0" strike="noStrike" sz="1800" u="none" kumimoji="0" normalizeH="0">
+          <a:defRPr kumimoji="0" sz="1800" b="0" i="0" u="none" strike="noStrike" cap="none" spc="0" normalizeH="0" baseline="0">
             <a:ln>
               <a:noFill/>
             </a:ln>
@@ -5853,9 +6390,15 @@
         </a:lvl9pPr>
       </a:lstStyle>
       <a:style>
-        <a:lnRef idx="0"/>
-        <a:fillRef idx="0"/>
-        <a:effectRef idx="0"/>
+        <a:lnRef idx="0">
+          <a:scrgbClr r="0" g="0" b="0"/>
+        </a:lnRef>
+        <a:fillRef idx="0">
+          <a:scrgbClr r="0" g="0" b="0"/>
+        </a:fillRef>
+        <a:effectRef idx="0">
+          <a:scrgbClr r="0" g="0" b="0"/>
+        </a:effectRef>
         <a:fontRef idx="none"/>
       </a:style>
     </a:lnDef>
@@ -5868,7 +6411,7 @@
         </a:ln>
         <a:effectLst/>
       </a:spPr>
-      <a:bodyPr rot="0" spcFirstLastPara="1" vertOverflow="overflow" horzOverflow="overflow" vert="horz" wrap="square" lIns="50800" tIns="50800" rIns="50800" bIns="50800" numCol="1" spcCol="38100" rtlCol="0" anchor="ctr" upright="0">
+      <a:bodyPr rot="0" spcFirstLastPara="1" vertOverflow="overflow" horzOverflow="overflow" vert="horz" wrap="square" lIns="50800" tIns="50800" rIns="50800" bIns="50800" numCol="1" spcCol="38100" rtlCol="0" anchor="ctr">
         <a:spAutoFit/>
       </a:bodyPr>
       <a:lstStyle>
@@ -5887,7 +6430,7 @@
           <a:buFontTx/>
           <a:buNone/>
           <a:tabLst/>
-          <a:defRPr b="0" baseline="0" cap="none" i="0" spc="0" strike="noStrike" sz="3600" u="none" kumimoji="0" normalizeH="0">
+          <a:defRPr kumimoji="0" sz="3600" b="0" i="0" u="none" strike="noStrike" cap="none" spc="0" normalizeH="0" baseline="0">
             <a:ln>
               <a:noFill/>
             </a:ln>
@@ -5917,7 +6460,7 @@
           <a:buFontTx/>
           <a:buNone/>
           <a:tabLst/>
-          <a:defRPr b="0" baseline="0" cap="none" i="0" spc="0" strike="noStrike" sz="1800" u="none" kumimoji="0" normalizeH="0">
+          <a:defRPr kumimoji="0" sz="1800" b="0" i="0" u="none" strike="noStrike" cap="none" spc="0" normalizeH="0" baseline="0">
             <a:ln>
               <a:noFill/>
             </a:ln>
@@ -5943,7 +6486,7 @@
           <a:buFontTx/>
           <a:buNone/>
           <a:tabLst/>
-          <a:defRPr b="0" baseline="0" cap="none" i="0" spc="0" strike="noStrike" sz="1800" u="none" kumimoji="0" normalizeH="0">
+          <a:defRPr kumimoji="0" sz="1800" b="0" i="0" u="none" strike="noStrike" cap="none" spc="0" normalizeH="0" baseline="0">
             <a:ln>
               <a:noFill/>
             </a:ln>
@@ -5969,7 +6512,7 @@
           <a:buFontTx/>
           <a:buNone/>
           <a:tabLst/>
-          <a:defRPr b="0" baseline="0" cap="none" i="0" spc="0" strike="noStrike" sz="1800" u="none" kumimoji="0" normalizeH="0">
+          <a:defRPr kumimoji="0" sz="1800" b="0" i="0" u="none" strike="noStrike" cap="none" spc="0" normalizeH="0" baseline="0">
             <a:ln>
               <a:noFill/>
             </a:ln>
@@ -5995,7 +6538,7 @@
           <a:buFontTx/>
           <a:buNone/>
           <a:tabLst/>
-          <a:defRPr b="0" baseline="0" cap="none" i="0" spc="0" strike="noStrike" sz="1800" u="none" kumimoji="0" normalizeH="0">
+          <a:defRPr kumimoji="0" sz="1800" b="0" i="0" u="none" strike="noStrike" cap="none" spc="0" normalizeH="0" baseline="0">
             <a:ln>
               <a:noFill/>
             </a:ln>
@@ -6021,7 +6564,7 @@
           <a:buFontTx/>
           <a:buNone/>
           <a:tabLst/>
-          <a:defRPr b="0" baseline="0" cap="none" i="0" spc="0" strike="noStrike" sz="1800" u="none" kumimoji="0" normalizeH="0">
+          <a:defRPr kumimoji="0" sz="1800" b="0" i="0" u="none" strike="noStrike" cap="none" spc="0" normalizeH="0" baseline="0">
             <a:ln>
               <a:noFill/>
             </a:ln>
@@ -6047,7 +6590,7 @@
           <a:buFontTx/>
           <a:buNone/>
           <a:tabLst/>
-          <a:defRPr b="0" baseline="0" cap="none" i="0" spc="0" strike="noStrike" sz="1800" u="none" kumimoji="0" normalizeH="0">
+          <a:defRPr kumimoji="0" sz="1800" b="0" i="0" u="none" strike="noStrike" cap="none" spc="0" normalizeH="0" baseline="0">
             <a:ln>
               <a:noFill/>
             </a:ln>
@@ -6073,7 +6616,7 @@
           <a:buFontTx/>
           <a:buNone/>
           <a:tabLst/>
-          <a:defRPr b="0" baseline="0" cap="none" i="0" spc="0" strike="noStrike" sz="1800" u="none" kumimoji="0" normalizeH="0">
+          <a:defRPr kumimoji="0" sz="1800" b="0" i="0" u="none" strike="noStrike" cap="none" spc="0" normalizeH="0" baseline="0">
             <a:ln>
               <a:noFill/>
             </a:ln>
@@ -6099,7 +6642,7 @@
           <a:buFontTx/>
           <a:buNone/>
           <a:tabLst/>
-          <a:defRPr b="0" baseline="0" cap="none" i="0" spc="0" strike="noStrike" sz="1800" u="none" kumimoji="0" normalizeH="0">
+          <a:defRPr kumimoji="0" sz="1800" b="0" i="0" u="none" strike="noStrike" cap="none" spc="0" normalizeH="0" baseline="0">
             <a:ln>
               <a:noFill/>
             </a:ln>
@@ -6125,7 +6668,7 @@
           <a:buFontTx/>
           <a:buNone/>
           <a:tabLst/>
-          <a:defRPr b="0" baseline="0" cap="none" i="0" spc="0" strike="noStrike" sz="1800" u="none" kumimoji="0" normalizeH="0">
+          <a:defRPr kumimoji="0" sz="1800" b="0" i="0" u="none" strike="noStrike" cap="none" spc="0" normalizeH="0" baseline="0">
             <a:ln>
               <a:noFill/>
             </a:ln>
@@ -6138,12 +6681,19 @@
         </a:lvl9pPr>
       </a:lstStyle>
       <a:style>
-        <a:lnRef idx="0"/>
-        <a:fillRef idx="0"/>
-        <a:effectRef idx="0"/>
+        <a:lnRef idx="0">
+          <a:scrgbClr r="0" g="0" b="0"/>
+        </a:lnRef>
+        <a:fillRef idx="0">
+          <a:scrgbClr r="0" g="0" b="0"/>
+        </a:fillRef>
+        <a:effectRef idx="0">
+          <a:scrgbClr r="0" g="0" b="0"/>
+        </a:effectRef>
         <a:fontRef idx="none"/>
       </a:style>
     </a:txDef>
   </a:objectDefaults>
+  <a:extraClrSchemeLst/>
 </a:theme>
 </file>